--- a/Chandigarh Group of Colleges,.pptx
+++ b/Chandigarh Group of Colleges,.pptx
@@ -2,7 +2,7 @@
 <file path=ppt/presentation.xml><?xml version="1.0" encoding="utf-8"?>
 <p:presentation xmlns:a="http://schemas.openxmlformats.org/drawingml/2006/main" xmlns:r="http://schemas.openxmlformats.org/officeDocument/2006/relationships" xmlns:p="http://schemas.openxmlformats.org/presentationml/2006/main" saveSubsetFonts="1">
   <p:sldMasterIdLst>
-    <p:sldMasterId id="2147483826" r:id="rId1"/>
+    <p:sldMasterId id="2147483856" r:id="rId1"/>
   </p:sldMasterIdLst>
   <p:sldIdLst>
     <p:sldId id="256" r:id="rId2"/>
@@ -12,14 +12,9 @@
     <p:sldId id="261" r:id="rId6"/>
     <p:sldId id="262" r:id="rId7"/>
     <p:sldId id="263" r:id="rId8"/>
-    <p:sldId id="271" r:id="rId9"/>
-    <p:sldId id="265" r:id="rId10"/>
-    <p:sldId id="266" r:id="rId11"/>
-    <p:sldId id="267" r:id="rId12"/>
-    <p:sldId id="268" r:id="rId13"/>
-    <p:sldId id="269" r:id="rId14"/>
-    <p:sldId id="270" r:id="rId15"/>
-    <p:sldId id="272" r:id="rId16"/>
+    <p:sldId id="273" r:id="rId9"/>
+    <p:sldId id="269" r:id="rId10"/>
+    <p:sldId id="272" r:id="rId11"/>
   </p:sldIdLst>
   <p:sldSz cx="12192000" cy="6858000"/>
   <p:notesSz cx="6858000" cy="9144000"/>
@@ -461,7 +456,7 @@
           <a:p>
             <a:fld id="{2FF1D5E0-9E23-4839-ABDD-E89DB5AD788E}" type="datetimeFigureOut">
               <a:rPr lang="en-US" smtClean="0"/>
-              <a:t>10/6/2018</a:t>
+              <a:t>10/7/2018</a:t>
             </a:fld>
             <a:endParaRPr lang="en-US"/>
           </a:p>
@@ -568,7 +563,7 @@
     </p:spTree>
     <p:extLst>
       <p:ext uri="{BB962C8B-B14F-4D97-AF65-F5344CB8AC3E}">
-        <p14:creationId xmlns:p14="http://schemas.microsoft.com/office/powerpoint/2010/main" val="2237603056"/>
+        <p14:creationId xmlns:p14="http://schemas.microsoft.com/office/powerpoint/2010/main" val="3266565921"/>
       </p:ext>
     </p:extLst>
   </p:cSld>
@@ -1549,7 +1544,7 @@
           <a:p>
             <a:fld id="{2FF1D5E0-9E23-4839-ABDD-E89DB5AD788E}" type="datetimeFigureOut">
               <a:rPr lang="en-US" smtClean="0"/>
-              <a:t>10/6/2018</a:t>
+              <a:t>10/7/2018</a:t>
             </a:fld>
             <a:endParaRPr lang="en-US"/>
           </a:p>
@@ -1636,7 +1631,7 @@
     </p:spTree>
     <p:extLst>
       <p:ext uri="{BB962C8B-B14F-4D97-AF65-F5344CB8AC3E}">
-        <p14:creationId xmlns:p14="http://schemas.microsoft.com/office/powerpoint/2010/main" val="1803013805"/>
+        <p14:creationId xmlns:p14="http://schemas.microsoft.com/office/powerpoint/2010/main" val="2464932176"/>
       </p:ext>
     </p:extLst>
   </p:cSld>
@@ -2529,7 +2524,7 @@
           <a:p>
             <a:fld id="{2FF1D5E0-9E23-4839-ABDD-E89DB5AD788E}" type="datetimeFigureOut">
               <a:rPr lang="en-US" smtClean="0"/>
-              <a:t>10/6/2018</a:t>
+              <a:t>10/7/2018</a:t>
             </a:fld>
             <a:endParaRPr lang="en-US"/>
           </a:p>
@@ -2616,7 +2611,7 @@
     </p:spTree>
     <p:extLst>
       <p:ext uri="{BB962C8B-B14F-4D97-AF65-F5344CB8AC3E}">
-        <p14:creationId xmlns:p14="http://schemas.microsoft.com/office/powerpoint/2010/main" val="1072172705"/>
+        <p14:creationId xmlns:p14="http://schemas.microsoft.com/office/powerpoint/2010/main" val="2738602210"/>
       </p:ext>
     </p:extLst>
   </p:cSld>
@@ -3663,7 +3658,7 @@
           <a:p>
             <a:fld id="{2FF1D5E0-9E23-4839-ABDD-E89DB5AD788E}" type="datetimeFigureOut">
               <a:rPr lang="en-US" smtClean="0"/>
-              <a:t>10/6/2018</a:t>
+              <a:t>10/7/2018</a:t>
             </a:fld>
             <a:endParaRPr lang="en-US"/>
           </a:p>
@@ -3750,7 +3745,7 @@
     </p:spTree>
     <p:extLst>
       <p:ext uri="{BB962C8B-B14F-4D97-AF65-F5344CB8AC3E}">
-        <p14:creationId xmlns:p14="http://schemas.microsoft.com/office/powerpoint/2010/main" val="203531271"/>
+        <p14:creationId xmlns:p14="http://schemas.microsoft.com/office/powerpoint/2010/main" val="2181657397"/>
       </p:ext>
     </p:extLst>
   </p:cSld>
@@ -4696,7 +4691,7 @@
           <a:p>
             <a:fld id="{2FF1D5E0-9E23-4839-ABDD-E89DB5AD788E}" type="datetimeFigureOut">
               <a:rPr lang="en-US" smtClean="0"/>
-              <a:t>10/6/2018</a:t>
+              <a:t>10/7/2018</a:t>
             </a:fld>
             <a:endParaRPr lang="en-US"/>
           </a:p>
@@ -4783,7 +4778,7 @@
     </p:spTree>
     <p:extLst>
       <p:ext uri="{BB962C8B-B14F-4D97-AF65-F5344CB8AC3E}">
-        <p14:creationId xmlns:p14="http://schemas.microsoft.com/office/powerpoint/2010/main" val="636492667"/>
+        <p14:creationId xmlns:p14="http://schemas.microsoft.com/office/powerpoint/2010/main" val="3135335405"/>
       </p:ext>
     </p:extLst>
   </p:cSld>
@@ -5356,7 +5351,7 @@
           <a:p>
             <a:fld id="{2FF1D5E0-9E23-4839-ABDD-E89DB5AD788E}" type="datetimeFigureOut">
               <a:rPr lang="en-US" smtClean="0"/>
-              <a:t>10/6/2018</a:t>
+              <a:t>10/7/2018</a:t>
             </a:fld>
             <a:endParaRPr lang="en-US"/>
           </a:p>
@@ -5407,7 +5402,7 @@
     </p:spTree>
     <p:extLst>
       <p:ext uri="{BB962C8B-B14F-4D97-AF65-F5344CB8AC3E}">
-        <p14:creationId xmlns:p14="http://schemas.microsoft.com/office/powerpoint/2010/main" val="4278805520"/>
+        <p14:creationId xmlns:p14="http://schemas.microsoft.com/office/powerpoint/2010/main" val="3729015927"/>
       </p:ext>
     </p:extLst>
   </p:cSld>
@@ -6217,7 +6212,7 @@
           <a:p>
             <a:fld id="{2FF1D5E0-9E23-4839-ABDD-E89DB5AD788E}" type="datetimeFigureOut">
               <a:rPr lang="en-US" smtClean="0"/>
-              <a:t>10/6/2018</a:t>
+              <a:t>10/7/2018</a:t>
             </a:fld>
             <a:endParaRPr lang="en-US"/>
           </a:p>
@@ -6273,7 +6268,7 @@
     </p:spTree>
     <p:extLst>
       <p:ext uri="{BB962C8B-B14F-4D97-AF65-F5344CB8AC3E}">
-        <p14:creationId xmlns:p14="http://schemas.microsoft.com/office/powerpoint/2010/main" val="2081032608"/>
+        <p14:creationId xmlns:p14="http://schemas.microsoft.com/office/powerpoint/2010/main" val="4120638953"/>
       </p:ext>
     </p:extLst>
   </p:cSld>
@@ -6407,7 +6402,7 @@
           <a:p>
             <a:fld id="{2FF1D5E0-9E23-4839-ABDD-E89DB5AD788E}" type="datetimeFigureOut">
               <a:rPr lang="en-US" smtClean="0"/>
-              <a:t>10/6/2018</a:t>
+              <a:t>10/7/2018</a:t>
             </a:fld>
             <a:endParaRPr lang="en-US"/>
           </a:p>
@@ -6458,7 +6453,7 @@
     </p:spTree>
     <p:extLst>
       <p:ext uri="{BB962C8B-B14F-4D97-AF65-F5344CB8AC3E}">
-        <p14:creationId xmlns:p14="http://schemas.microsoft.com/office/powerpoint/2010/main" val="373080525"/>
+        <p14:creationId xmlns:p14="http://schemas.microsoft.com/office/powerpoint/2010/main" val="3306139407"/>
       </p:ext>
     </p:extLst>
   </p:cSld>
@@ -7379,7 +7374,7 @@
           <a:p>
             <a:fld id="{2FF1D5E0-9E23-4839-ABDD-E89DB5AD788E}" type="datetimeFigureOut">
               <a:rPr lang="en-US" smtClean="0"/>
-              <a:t>10/6/2018</a:t>
+              <a:t>10/7/2018</a:t>
             </a:fld>
             <a:endParaRPr lang="en-US"/>
           </a:p>
@@ -7466,7 +7461,7 @@
     </p:spTree>
     <p:extLst>
       <p:ext uri="{BB962C8B-B14F-4D97-AF65-F5344CB8AC3E}">
-        <p14:creationId xmlns:p14="http://schemas.microsoft.com/office/powerpoint/2010/main" val="253070803"/>
+        <p14:creationId xmlns:p14="http://schemas.microsoft.com/office/powerpoint/2010/main" val="1562520951"/>
       </p:ext>
     </p:extLst>
   </p:cSld>
@@ -7590,7 +7585,7 @@
           <a:p>
             <a:fld id="{2FF1D5E0-9E23-4839-ABDD-E89DB5AD788E}" type="datetimeFigureOut">
               <a:rPr lang="en-US" smtClean="0"/>
-              <a:t>10/6/2018</a:t>
+              <a:t>10/7/2018</a:t>
             </a:fld>
             <a:endParaRPr lang="en-US"/>
           </a:p>
@@ -7641,7 +7636,7 @@
     </p:spTree>
     <p:extLst>
       <p:ext uri="{BB962C8B-B14F-4D97-AF65-F5344CB8AC3E}">
-        <p14:creationId xmlns:p14="http://schemas.microsoft.com/office/powerpoint/2010/main" val="357792835"/>
+        <p14:creationId xmlns:p14="http://schemas.microsoft.com/office/powerpoint/2010/main" val="2071855236"/>
       </p:ext>
     </p:extLst>
   </p:cSld>
@@ -8624,7 +8619,7 @@
           <a:p>
             <a:fld id="{2FF1D5E0-9E23-4839-ABDD-E89DB5AD788E}" type="datetimeFigureOut">
               <a:rPr lang="en-US" smtClean="0"/>
-              <a:t>10/6/2018</a:t>
+              <a:t>10/7/2018</a:t>
             </a:fld>
             <a:endParaRPr lang="en-US"/>
           </a:p>
@@ -8711,7 +8706,7 @@
     </p:spTree>
     <p:extLst>
       <p:ext uri="{BB962C8B-B14F-4D97-AF65-F5344CB8AC3E}">
-        <p14:creationId xmlns:p14="http://schemas.microsoft.com/office/powerpoint/2010/main" val="145383106"/>
+        <p14:creationId xmlns:p14="http://schemas.microsoft.com/office/powerpoint/2010/main" val="1043510235"/>
       </p:ext>
     </p:extLst>
   </p:cSld>
@@ -8896,7 +8891,7 @@
           <a:p>
             <a:fld id="{2FF1D5E0-9E23-4839-ABDD-E89DB5AD788E}" type="datetimeFigureOut">
               <a:rPr lang="en-US" smtClean="0"/>
-              <a:t>10/6/2018</a:t>
+              <a:t>10/7/2018</a:t>
             </a:fld>
             <a:endParaRPr lang="en-US"/>
           </a:p>
@@ -8947,7 +8942,7 @@
     </p:spTree>
     <p:extLst>
       <p:ext uri="{BB962C8B-B14F-4D97-AF65-F5344CB8AC3E}">
-        <p14:creationId xmlns:p14="http://schemas.microsoft.com/office/powerpoint/2010/main" val="1243254730"/>
+        <p14:creationId xmlns:p14="http://schemas.microsoft.com/office/powerpoint/2010/main" val="986420480"/>
       </p:ext>
     </p:extLst>
   </p:cSld>
@@ -9306,7 +9301,7 @@
           <a:p>
             <a:fld id="{2FF1D5E0-9E23-4839-ABDD-E89DB5AD788E}" type="datetimeFigureOut">
               <a:rPr lang="en-US" smtClean="0"/>
-              <a:t>10/6/2018</a:t>
+              <a:t>10/7/2018</a:t>
             </a:fld>
             <a:endParaRPr lang="en-US"/>
           </a:p>
@@ -9357,7 +9352,7 @@
     </p:spTree>
     <p:extLst>
       <p:ext uri="{BB962C8B-B14F-4D97-AF65-F5344CB8AC3E}">
-        <p14:creationId xmlns:p14="http://schemas.microsoft.com/office/powerpoint/2010/main" val="4132805397"/>
+        <p14:creationId xmlns:p14="http://schemas.microsoft.com/office/powerpoint/2010/main" val="2176813607"/>
       </p:ext>
     </p:extLst>
   </p:cSld>
@@ -9433,7 +9428,7 @@
           <a:p>
             <a:fld id="{2FF1D5E0-9E23-4839-ABDD-E89DB5AD788E}" type="datetimeFigureOut">
               <a:rPr lang="en-US" smtClean="0"/>
-              <a:t>10/6/2018</a:t>
+              <a:t>10/7/2018</a:t>
             </a:fld>
             <a:endParaRPr lang="en-US"/>
           </a:p>
@@ -9484,7 +9479,7 @@
     </p:spTree>
     <p:extLst>
       <p:ext uri="{BB962C8B-B14F-4D97-AF65-F5344CB8AC3E}">
-        <p14:creationId xmlns:p14="http://schemas.microsoft.com/office/powerpoint/2010/main" val="1695053141"/>
+        <p14:creationId xmlns:p14="http://schemas.microsoft.com/office/powerpoint/2010/main" val="1976678099"/>
       </p:ext>
     </p:extLst>
   </p:cSld>
@@ -9528,7 +9523,7 @@
           <a:p>
             <a:fld id="{2FF1D5E0-9E23-4839-ABDD-E89DB5AD788E}" type="datetimeFigureOut">
               <a:rPr lang="en-US" smtClean="0"/>
-              <a:t>10/6/2018</a:t>
+              <a:t>10/7/2018</a:t>
             </a:fld>
             <a:endParaRPr lang="en-US"/>
           </a:p>
@@ -9615,7 +9610,7 @@
     </p:spTree>
     <p:extLst>
       <p:ext uri="{BB962C8B-B14F-4D97-AF65-F5344CB8AC3E}">
-        <p14:creationId xmlns:p14="http://schemas.microsoft.com/office/powerpoint/2010/main" val="365835030"/>
+        <p14:creationId xmlns:p14="http://schemas.microsoft.com/office/powerpoint/2010/main" val="2519702635"/>
       </p:ext>
     </p:extLst>
   </p:cSld>
@@ -10609,7 +10604,7 @@
           <a:p>
             <a:fld id="{2FF1D5E0-9E23-4839-ABDD-E89DB5AD788E}" type="datetimeFigureOut">
               <a:rPr lang="en-US" smtClean="0"/>
-              <a:t>10/6/2018</a:t>
+              <a:t>10/7/2018</a:t>
             </a:fld>
             <a:endParaRPr lang="en-US"/>
           </a:p>
@@ -10696,7 +10691,7 @@
     </p:spTree>
     <p:extLst>
       <p:ext uri="{BB962C8B-B14F-4D97-AF65-F5344CB8AC3E}">
-        <p14:creationId xmlns:p14="http://schemas.microsoft.com/office/powerpoint/2010/main" val="154865022"/>
+        <p14:creationId xmlns:p14="http://schemas.microsoft.com/office/powerpoint/2010/main" val="2623365517"/>
       </p:ext>
     </p:extLst>
   </p:cSld>
@@ -11717,7 +11712,7 @@
           <a:p>
             <a:fld id="{2FF1D5E0-9E23-4839-ABDD-E89DB5AD788E}" type="datetimeFigureOut">
               <a:rPr lang="en-US" smtClean="0"/>
-              <a:t>10/6/2018</a:t>
+              <a:t>10/7/2018</a:t>
             </a:fld>
             <a:endParaRPr lang="en-US"/>
           </a:p>
@@ -11804,7 +11799,7 @@
     </p:spTree>
     <p:extLst>
       <p:ext uri="{BB962C8B-B14F-4D97-AF65-F5344CB8AC3E}">
-        <p14:creationId xmlns:p14="http://schemas.microsoft.com/office/powerpoint/2010/main" val="3965293913"/>
+        <p14:creationId xmlns:p14="http://schemas.microsoft.com/office/powerpoint/2010/main" val="2655976559"/>
       </p:ext>
     </p:extLst>
   </p:cSld>
@@ -12714,7 +12709,7 @@
           <a:p>
             <a:fld id="{2FF1D5E0-9E23-4839-ABDD-E89DB5AD788E}" type="datetimeFigureOut">
               <a:rPr lang="en-US" smtClean="0"/>
-              <a:t>10/6/2018</a:t>
+              <a:t>10/7/2018</a:t>
             </a:fld>
             <a:endParaRPr lang="en-US"/>
           </a:p>
@@ -12833,29 +12828,29 @@
     </p:spTree>
     <p:extLst>
       <p:ext uri="{BB962C8B-B14F-4D97-AF65-F5344CB8AC3E}">
-        <p14:creationId xmlns:p14="http://schemas.microsoft.com/office/powerpoint/2010/main" val="1042120296"/>
+        <p14:creationId xmlns:p14="http://schemas.microsoft.com/office/powerpoint/2010/main" val="4094244013"/>
       </p:ext>
     </p:extLst>
   </p:cSld>
   <p:clrMap bg1="lt1" tx1="dk1" bg2="lt2" tx2="dk2" accent1="accent1" accent2="accent2" accent3="accent3" accent4="accent4" accent5="accent5" accent6="accent6" hlink="hlink" folHlink="folHlink"/>
   <p:sldLayoutIdLst>
-    <p:sldLayoutId id="2147483827" r:id="rId1"/>
-    <p:sldLayoutId id="2147483828" r:id="rId2"/>
-    <p:sldLayoutId id="2147483829" r:id="rId3"/>
-    <p:sldLayoutId id="2147483830" r:id="rId4"/>
-    <p:sldLayoutId id="2147483831" r:id="rId5"/>
-    <p:sldLayoutId id="2147483832" r:id="rId6"/>
-    <p:sldLayoutId id="2147483833" r:id="rId7"/>
-    <p:sldLayoutId id="2147483834" r:id="rId8"/>
-    <p:sldLayoutId id="2147483835" r:id="rId9"/>
-    <p:sldLayoutId id="2147483836" r:id="rId10"/>
-    <p:sldLayoutId id="2147483837" r:id="rId11"/>
-    <p:sldLayoutId id="2147483838" r:id="rId12"/>
-    <p:sldLayoutId id="2147483839" r:id="rId13"/>
-    <p:sldLayoutId id="2147483840" r:id="rId14"/>
-    <p:sldLayoutId id="2147483841" r:id="rId15"/>
-    <p:sldLayoutId id="2147483842" r:id="rId16"/>
-    <p:sldLayoutId id="2147483843" r:id="rId17"/>
+    <p:sldLayoutId id="2147483857" r:id="rId1"/>
+    <p:sldLayoutId id="2147483858" r:id="rId2"/>
+    <p:sldLayoutId id="2147483859" r:id="rId3"/>
+    <p:sldLayoutId id="2147483860" r:id="rId4"/>
+    <p:sldLayoutId id="2147483861" r:id="rId5"/>
+    <p:sldLayoutId id="2147483862" r:id="rId6"/>
+    <p:sldLayoutId id="2147483863" r:id="rId7"/>
+    <p:sldLayoutId id="2147483864" r:id="rId8"/>
+    <p:sldLayoutId id="2147483865" r:id="rId9"/>
+    <p:sldLayoutId id="2147483866" r:id="rId10"/>
+    <p:sldLayoutId id="2147483867" r:id="rId11"/>
+    <p:sldLayoutId id="2147483868" r:id="rId12"/>
+    <p:sldLayoutId id="2147483869" r:id="rId13"/>
+    <p:sldLayoutId id="2147483870" r:id="rId14"/>
+    <p:sldLayoutId id="2147483871" r:id="rId15"/>
+    <p:sldLayoutId id="2147483872" r:id="rId16"/>
+    <p:sldLayoutId id="2147483873" r:id="rId17"/>
   </p:sldLayoutIdLst>
   <p:txStyles>
     <p:titleStyle>
@@ -13361,16 +13356,7 @@
                 </a:solidFill>
                 <a:latin typeface="Century Gothic" panose="020B0502020202020204" pitchFamily="34" charset="0"/>
               </a:rPr>
-              <a:t>           IBM </a:t>
-            </a:r>
-            <a:r>
-              <a:rPr lang="en-US" sz="2400" b="1" dirty="0" smtClean="0">
-                <a:solidFill>
-                  <a:schemeClr val="bg2"/>
-                </a:solidFill>
-                <a:latin typeface="Century Gothic" panose="020B0502020202020204" pitchFamily="34" charset="0"/>
-              </a:rPr>
-              <a:t>Hack Challenge 2k18</a:t>
+              <a:t>           IBM Hack Challenge 2k18</a:t>
             </a:r>
           </a:p>
           <a:p>
@@ -13440,786 +13426,6 @@
 </file>
 
 <file path=ppt/slides/slide10.xml><?xml version="1.0" encoding="utf-8"?>
-<p:sld xmlns:a="http://schemas.openxmlformats.org/drawingml/2006/main" xmlns:r="http://schemas.openxmlformats.org/officeDocument/2006/relationships" xmlns:p="http://schemas.openxmlformats.org/presentationml/2006/main">
-  <p:cSld>
-    <p:spTree>
-      <p:nvGrpSpPr>
-        <p:cNvPr id="1" name=""/>
-        <p:cNvGrpSpPr/>
-        <p:nvPr/>
-      </p:nvGrpSpPr>
-      <p:grpSpPr>
-        <a:xfrm>
-          <a:off x="0" y="0"/>
-          <a:ext cx="0" cy="0"/>
-          <a:chOff x="0" y="0"/>
-          <a:chExt cx="0" cy="0"/>
-        </a:xfrm>
-      </p:grpSpPr>
-      <p:sp>
-        <p:nvSpPr>
-          <p:cNvPr id="2" name="Rectangle 1"/>
-          <p:cNvSpPr/>
-          <p:nvPr/>
-        </p:nvSpPr>
-        <p:spPr>
-          <a:xfrm>
-            <a:off x="721217" y="180304"/>
-            <a:ext cx="11951594" cy="5786199"/>
-          </a:xfrm>
-          <a:prstGeom prst="rect">
-            <a:avLst/>
-          </a:prstGeom>
-        </p:spPr>
-        <p:txBody>
-          <a:bodyPr wrap="square">
-            <a:spAutoFit/>
-          </a:bodyPr>
-          <a:lstStyle/>
-          <a:p>
-            <a:r>
-              <a:rPr lang="en-US" sz="5400" b="1" dirty="0" smtClean="0">
-                <a:latin typeface="Times New Roman" panose="02020603050405020304" pitchFamily="18" charset="0"/>
-                <a:cs typeface="Times New Roman" panose="02020603050405020304" pitchFamily="18" charset="0"/>
-              </a:rPr>
-              <a:t>     3. Music for when you're angry.</a:t>
-            </a:r>
-          </a:p>
-          <a:p>
-            <a:endParaRPr lang="en-US" dirty="0" smtClean="0"/>
-          </a:p>
-          <a:p>
-            <a:endParaRPr lang="en-US" dirty="0" smtClean="0"/>
-          </a:p>
-          <a:p>
-            <a:r>
-              <a:rPr lang="en-US" sz="2800" dirty="0" smtClean="0">
-                <a:latin typeface="Times New Roman" panose="02020603050405020304" pitchFamily="18" charset="0"/>
-                <a:cs typeface="Times New Roman" panose="02020603050405020304" pitchFamily="18" charset="0"/>
-              </a:rPr>
-              <a:t>When you're angry, listen to something loud! Yell the lyrics and let all your emotions out. The lyrics don't have to relate to your feelings, but they most definitely can. Here are some examples of what I would listen to:</a:t>
-            </a:r>
-          </a:p>
-          <a:p>
-            <a:endParaRPr lang="en-US" sz="2800" dirty="0" smtClean="0">
-              <a:latin typeface="Times New Roman" panose="02020603050405020304" pitchFamily="18" charset="0"/>
-              <a:cs typeface="Times New Roman" panose="02020603050405020304" pitchFamily="18" charset="0"/>
-            </a:endParaRPr>
-          </a:p>
-          <a:p>
-            <a:r>
-              <a:rPr lang="en-US" sz="2800" dirty="0" smtClean="0">
-                <a:latin typeface="Times New Roman" panose="02020603050405020304" pitchFamily="18" charset="0"/>
-                <a:cs typeface="Times New Roman" panose="02020603050405020304" pitchFamily="18" charset="0"/>
-              </a:rPr>
-              <a:t>"Misery Business" - Paramore</a:t>
-            </a:r>
-          </a:p>
-          <a:p>
-            <a:endParaRPr lang="en-US" sz="2800" dirty="0" smtClean="0">
-              <a:latin typeface="Times New Roman" panose="02020603050405020304" pitchFamily="18" charset="0"/>
-              <a:cs typeface="Times New Roman" panose="02020603050405020304" pitchFamily="18" charset="0"/>
-            </a:endParaRPr>
-          </a:p>
-          <a:p>
-            <a:endParaRPr lang="en-US" sz="2800" dirty="0" smtClean="0">
-              <a:latin typeface="Times New Roman" panose="02020603050405020304" pitchFamily="18" charset="0"/>
-              <a:cs typeface="Times New Roman" panose="02020603050405020304" pitchFamily="18" charset="0"/>
-            </a:endParaRPr>
-          </a:p>
-          <a:p>
-            <a:r>
-              <a:rPr lang="en-US" sz="2800" dirty="0" smtClean="0">
-                <a:latin typeface="Times New Roman" panose="02020603050405020304" pitchFamily="18" charset="0"/>
-                <a:cs typeface="Times New Roman" panose="02020603050405020304" pitchFamily="18" charset="0"/>
-              </a:rPr>
-              <a:t>"This Is Not an Apology" - Bea Miller</a:t>
-            </a:r>
-          </a:p>
-          <a:p>
-            <a:endParaRPr lang="en-US" sz="2800" dirty="0" smtClean="0">
-              <a:latin typeface="Times New Roman" panose="02020603050405020304" pitchFamily="18" charset="0"/>
-              <a:cs typeface="Times New Roman" panose="02020603050405020304" pitchFamily="18" charset="0"/>
-            </a:endParaRPr>
-          </a:p>
-          <a:p>
-            <a:r>
-              <a:rPr lang="en-US" sz="2800" dirty="0" smtClean="0">
-                <a:latin typeface="Times New Roman" panose="02020603050405020304" pitchFamily="18" charset="0"/>
-                <a:cs typeface="Times New Roman" panose="02020603050405020304" pitchFamily="18" charset="0"/>
-              </a:rPr>
-              <a:t>"Smells Like Teen Spirit" - Nirvana</a:t>
-            </a:r>
-            <a:endParaRPr lang="en-US" sz="2800" dirty="0">
-              <a:latin typeface="Times New Roman" panose="02020603050405020304" pitchFamily="18" charset="0"/>
-              <a:cs typeface="Times New Roman" panose="02020603050405020304" pitchFamily="18" charset="0"/>
-            </a:endParaRPr>
-          </a:p>
-        </p:txBody>
-      </p:sp>
-    </p:spTree>
-    <p:extLst>
-      <p:ext uri="{BB962C8B-B14F-4D97-AF65-F5344CB8AC3E}">
-        <p14:creationId xmlns:p14="http://schemas.microsoft.com/office/powerpoint/2010/main" val="2315990168"/>
-      </p:ext>
-    </p:extLst>
-  </p:cSld>
-  <p:clrMapOvr>
-    <a:masterClrMapping/>
-  </p:clrMapOvr>
-  <p:timing>
-    <p:tnLst>
-      <p:par>
-        <p:cTn id="1" dur="indefinite" restart="never" nodeType="tmRoot"/>
-      </p:par>
-    </p:tnLst>
-  </p:timing>
-</p:sld>
-</file>
-
-<file path=ppt/slides/slide11.xml><?xml version="1.0" encoding="utf-8"?>
-<p:sld xmlns:a="http://schemas.openxmlformats.org/drawingml/2006/main" xmlns:r="http://schemas.openxmlformats.org/officeDocument/2006/relationships" xmlns:p="http://schemas.openxmlformats.org/presentationml/2006/main">
-  <p:cSld>
-    <p:spTree>
-      <p:nvGrpSpPr>
-        <p:cNvPr id="1" name=""/>
-        <p:cNvGrpSpPr/>
-        <p:nvPr/>
-      </p:nvGrpSpPr>
-      <p:grpSpPr>
-        <a:xfrm>
-          <a:off x="0" y="0"/>
-          <a:ext cx="0" cy="0"/>
-          <a:chOff x="0" y="0"/>
-          <a:chExt cx="0" cy="0"/>
-        </a:xfrm>
-      </p:grpSpPr>
-      <p:sp>
-        <p:nvSpPr>
-          <p:cNvPr id="2" name="Rectangle 1"/>
-          <p:cNvSpPr/>
-          <p:nvPr/>
-        </p:nvSpPr>
-        <p:spPr>
-          <a:xfrm>
-            <a:off x="888643" y="0"/>
-            <a:ext cx="11140224" cy="6724918"/>
-          </a:xfrm>
-          <a:prstGeom prst="rect">
-            <a:avLst/>
-          </a:prstGeom>
-        </p:spPr>
-        <p:txBody>
-          <a:bodyPr wrap="square">
-            <a:spAutoFit/>
-          </a:bodyPr>
-          <a:lstStyle/>
-          <a:p>
-            <a:r>
-              <a:rPr lang="en-US" sz="5300" b="1" dirty="0" smtClean="0">
-                <a:latin typeface="Times New Roman" panose="02020603050405020304" pitchFamily="18" charset="0"/>
-                <a:cs typeface="Times New Roman" panose="02020603050405020304" pitchFamily="18" charset="0"/>
-              </a:rPr>
-              <a:t>4. Music for when you're relaxed or tired</a:t>
-            </a:r>
-            <a:r>
-              <a:rPr lang="en-US" sz="5400" dirty="0" smtClean="0">
-                <a:latin typeface="Times New Roman" panose="02020603050405020304" pitchFamily="18" charset="0"/>
-                <a:cs typeface="Times New Roman" panose="02020603050405020304" pitchFamily="18" charset="0"/>
-              </a:rPr>
-              <a:t>.</a:t>
-            </a:r>
-          </a:p>
-          <a:p>
-            <a:endParaRPr lang="en-US" dirty="0" smtClean="0"/>
-          </a:p>
-          <a:p>
-            <a:endParaRPr lang="en-US" dirty="0" smtClean="0"/>
-          </a:p>
-          <a:p>
-            <a:r>
-              <a:rPr lang="en-US" sz="3200" dirty="0" smtClean="0">
-                <a:latin typeface="Times New Roman" panose="02020603050405020304" pitchFamily="18" charset="0"/>
-                <a:cs typeface="Times New Roman" panose="02020603050405020304" pitchFamily="18" charset="0"/>
-              </a:rPr>
-              <a:t>When I'm relaxing or feeling a little tired I like to listen to slower-paced, acoustic, or laid back songs. It keeps my mind at ease and gives me a sense of peace. They don't have to have a particular </a:t>
-            </a:r>
-            <a:r>
-              <a:rPr lang="en-US" sz="3200" dirty="0" err="1" smtClean="0">
-                <a:latin typeface="Times New Roman" panose="02020603050405020304" pitchFamily="18" charset="0"/>
-                <a:cs typeface="Times New Roman" panose="02020603050405020304" pitchFamily="18" charset="0"/>
-              </a:rPr>
-              <a:t>meaningTry</a:t>
-            </a:r>
-            <a:r>
-              <a:rPr lang="en-US" sz="3200" dirty="0" smtClean="0">
-                <a:latin typeface="Times New Roman" panose="02020603050405020304" pitchFamily="18" charset="0"/>
-                <a:cs typeface="Times New Roman" panose="02020603050405020304" pitchFamily="18" charset="0"/>
-              </a:rPr>
-              <a:t> listening to these songs:</a:t>
-            </a:r>
-          </a:p>
-          <a:p>
-            <a:r>
-              <a:rPr lang="en-US" sz="3200" dirty="0" smtClean="0">
-                <a:latin typeface="Times New Roman" panose="02020603050405020304" pitchFamily="18" charset="0"/>
-                <a:cs typeface="Times New Roman" panose="02020603050405020304" pitchFamily="18" charset="0"/>
-              </a:rPr>
-              <a:t>"Drift Away" - Uncle </a:t>
-            </a:r>
-            <a:r>
-              <a:rPr lang="en-US" sz="3200" dirty="0" err="1" smtClean="0">
-                <a:latin typeface="Times New Roman" panose="02020603050405020304" pitchFamily="18" charset="0"/>
-                <a:cs typeface="Times New Roman" panose="02020603050405020304" pitchFamily="18" charset="0"/>
-              </a:rPr>
-              <a:t>Kracker</a:t>
-            </a:r>
-            <a:endParaRPr lang="en-US" sz="3200" dirty="0" smtClean="0">
-              <a:latin typeface="Times New Roman" panose="02020603050405020304" pitchFamily="18" charset="0"/>
-              <a:cs typeface="Times New Roman" panose="02020603050405020304" pitchFamily="18" charset="0"/>
-            </a:endParaRPr>
-          </a:p>
-          <a:p>
-            <a:endParaRPr lang="en-US" sz="3200" dirty="0" smtClean="0">
-              <a:latin typeface="Times New Roman" panose="02020603050405020304" pitchFamily="18" charset="0"/>
-              <a:cs typeface="Times New Roman" panose="02020603050405020304" pitchFamily="18" charset="0"/>
-            </a:endParaRPr>
-          </a:p>
-          <a:p>
-            <a:r>
-              <a:rPr lang="en-US" sz="3200" dirty="0" smtClean="0">
-                <a:latin typeface="Times New Roman" panose="02020603050405020304" pitchFamily="18" charset="0"/>
-                <a:cs typeface="Times New Roman" panose="02020603050405020304" pitchFamily="18" charset="0"/>
-              </a:rPr>
-              <a:t>"We All Grow Up" - Lily Kershaw</a:t>
-            </a:r>
-          </a:p>
-          <a:p>
-            <a:endParaRPr lang="en-US" sz="3200" dirty="0" smtClean="0">
-              <a:latin typeface="Times New Roman" panose="02020603050405020304" pitchFamily="18" charset="0"/>
-              <a:cs typeface="Times New Roman" panose="02020603050405020304" pitchFamily="18" charset="0"/>
-            </a:endParaRPr>
-          </a:p>
-          <a:p>
-            <a:r>
-              <a:rPr lang="en-US" sz="3200" dirty="0" smtClean="0">
-                <a:latin typeface="Times New Roman" panose="02020603050405020304" pitchFamily="18" charset="0"/>
-                <a:cs typeface="Times New Roman" panose="02020603050405020304" pitchFamily="18" charset="0"/>
-              </a:rPr>
-              <a:t>"</a:t>
-            </a:r>
-            <a:r>
-              <a:rPr lang="en-US" sz="3200" dirty="0" err="1" smtClean="0">
-                <a:latin typeface="Times New Roman" panose="02020603050405020304" pitchFamily="18" charset="0"/>
-                <a:cs typeface="Times New Roman" panose="02020603050405020304" pitchFamily="18" charset="0"/>
-              </a:rPr>
-              <a:t>Daydreamin</a:t>
-            </a:r>
-            <a:r>
-              <a:rPr lang="en-US" sz="3200" dirty="0" smtClean="0">
-                <a:latin typeface="Times New Roman" panose="02020603050405020304" pitchFamily="18" charset="0"/>
-                <a:cs typeface="Times New Roman" panose="02020603050405020304" pitchFamily="18" charset="0"/>
-              </a:rPr>
-              <a:t>'" - Ariana Grande</a:t>
-            </a:r>
-            <a:endParaRPr lang="en-US" sz="3200" dirty="0">
-              <a:latin typeface="Times New Roman" panose="02020603050405020304" pitchFamily="18" charset="0"/>
-              <a:cs typeface="Times New Roman" panose="02020603050405020304" pitchFamily="18" charset="0"/>
-            </a:endParaRPr>
-          </a:p>
-        </p:txBody>
-      </p:sp>
-    </p:spTree>
-    <p:extLst>
-      <p:ext uri="{BB962C8B-B14F-4D97-AF65-F5344CB8AC3E}">
-        <p14:creationId xmlns:p14="http://schemas.microsoft.com/office/powerpoint/2010/main" val="2087208374"/>
-      </p:ext>
-    </p:extLst>
-  </p:cSld>
-  <p:clrMapOvr>
-    <a:masterClrMapping/>
-  </p:clrMapOvr>
-  <p:timing>
-    <p:tnLst>
-      <p:par>
-        <p:cTn id="1" dur="indefinite" restart="never" nodeType="tmRoot"/>
-      </p:par>
-    </p:tnLst>
-  </p:timing>
-</p:sld>
-</file>
-
-<file path=ppt/slides/slide12.xml><?xml version="1.0" encoding="utf-8"?>
-<p:sld xmlns:a="http://schemas.openxmlformats.org/drawingml/2006/main" xmlns:r="http://schemas.openxmlformats.org/officeDocument/2006/relationships" xmlns:p="http://schemas.openxmlformats.org/presentationml/2006/main">
-  <p:cSld>
-    <p:spTree>
-      <p:nvGrpSpPr>
-        <p:cNvPr id="1" name=""/>
-        <p:cNvGrpSpPr/>
-        <p:nvPr/>
-      </p:nvGrpSpPr>
-      <p:grpSpPr>
-        <a:xfrm>
-          <a:off x="0" y="0"/>
-          <a:ext cx="0" cy="0"/>
-          <a:chOff x="0" y="0"/>
-          <a:chExt cx="0" cy="0"/>
-        </a:xfrm>
-      </p:grpSpPr>
-      <p:sp>
-        <p:nvSpPr>
-          <p:cNvPr id="2" name="Rectangle 1"/>
-          <p:cNvSpPr/>
-          <p:nvPr/>
-        </p:nvSpPr>
-        <p:spPr>
-          <a:xfrm>
-            <a:off x="772732" y="0"/>
-            <a:ext cx="11419268" cy="5909310"/>
-          </a:xfrm>
-          <a:prstGeom prst="rect">
-            <a:avLst/>
-          </a:prstGeom>
-        </p:spPr>
-        <p:txBody>
-          <a:bodyPr wrap="square">
-            <a:spAutoFit/>
-          </a:bodyPr>
-          <a:lstStyle/>
-          <a:p>
-            <a:r>
-              <a:rPr lang="en-US" sz="5400" b="1" dirty="0" smtClean="0">
-                <a:latin typeface="Times New Roman" panose="02020603050405020304" pitchFamily="18" charset="0"/>
-                <a:cs typeface="Times New Roman" panose="02020603050405020304" pitchFamily="18" charset="0"/>
-              </a:rPr>
-              <a:t>         5. Music for when you're lonely.</a:t>
-            </a:r>
-          </a:p>
-          <a:p>
-            <a:endParaRPr lang="en-US" dirty="0" smtClean="0"/>
-          </a:p>
-          <a:p>
-            <a:endParaRPr lang="en-US" dirty="0" smtClean="0"/>
-          </a:p>
-          <a:p>
-            <a:pPr algn="ctr"/>
-            <a:r>
-              <a:rPr lang="en-US" sz="3200" dirty="0" smtClean="0">
-                <a:latin typeface="Times New Roman" panose="02020603050405020304" pitchFamily="18" charset="0"/>
-                <a:cs typeface="Times New Roman" panose="02020603050405020304" pitchFamily="18" charset="0"/>
-              </a:rPr>
-              <a:t>         Use loneliness to remind you of the importance and value of self- worth. You have an extraordinary amount of power inside of you. You don't need someone else to complete you</a:t>
-            </a:r>
-          </a:p>
-          <a:p>
-            <a:pPr algn="ctr"/>
-            <a:endParaRPr lang="en-US" sz="3200" dirty="0" smtClean="0">
-              <a:latin typeface="Times New Roman" panose="02020603050405020304" pitchFamily="18" charset="0"/>
-              <a:cs typeface="Times New Roman" panose="02020603050405020304" pitchFamily="18" charset="0"/>
-            </a:endParaRPr>
-          </a:p>
-          <a:p>
-            <a:r>
-              <a:rPr lang="en-US" sz="3200" dirty="0" smtClean="0">
-                <a:latin typeface="Times New Roman" panose="02020603050405020304" pitchFamily="18" charset="0"/>
-                <a:cs typeface="Times New Roman" panose="02020603050405020304" pitchFamily="18" charset="0"/>
-              </a:rPr>
-              <a:t>          "Girl On Fire" - Alicia Keys</a:t>
-            </a:r>
-          </a:p>
-          <a:p>
-            <a:endParaRPr lang="en-US" sz="3200" dirty="0" smtClean="0">
-              <a:latin typeface="Times New Roman" panose="02020603050405020304" pitchFamily="18" charset="0"/>
-              <a:cs typeface="Times New Roman" panose="02020603050405020304" pitchFamily="18" charset="0"/>
-            </a:endParaRPr>
-          </a:p>
-          <a:p>
-            <a:r>
-              <a:rPr lang="en-US" sz="3200" dirty="0" smtClean="0">
-                <a:latin typeface="Times New Roman" panose="02020603050405020304" pitchFamily="18" charset="0"/>
-                <a:cs typeface="Times New Roman" panose="02020603050405020304" pitchFamily="18" charset="0"/>
-              </a:rPr>
-              <a:t>            "Rise Up" - </a:t>
-            </a:r>
-            <a:r>
-              <a:rPr lang="en-US" sz="3200" dirty="0" err="1" smtClean="0">
-                <a:latin typeface="Times New Roman" panose="02020603050405020304" pitchFamily="18" charset="0"/>
-                <a:cs typeface="Times New Roman" panose="02020603050405020304" pitchFamily="18" charset="0"/>
-              </a:rPr>
-              <a:t>Andra</a:t>
-            </a:r>
-            <a:r>
-              <a:rPr lang="en-US" sz="3200" dirty="0" smtClean="0">
-                <a:latin typeface="Times New Roman" panose="02020603050405020304" pitchFamily="18" charset="0"/>
-                <a:cs typeface="Times New Roman" panose="02020603050405020304" pitchFamily="18" charset="0"/>
-              </a:rPr>
-              <a:t> Day</a:t>
-            </a:r>
-          </a:p>
-          <a:p>
-            <a:endParaRPr lang="en-US" sz="3200" dirty="0" smtClean="0">
-              <a:latin typeface="Times New Roman" panose="02020603050405020304" pitchFamily="18" charset="0"/>
-              <a:cs typeface="Times New Roman" panose="02020603050405020304" pitchFamily="18" charset="0"/>
-            </a:endParaRPr>
-          </a:p>
-          <a:p>
-            <a:r>
-              <a:rPr lang="en-US" sz="3200" dirty="0" smtClean="0">
-                <a:latin typeface="Times New Roman" panose="02020603050405020304" pitchFamily="18" charset="0"/>
-                <a:cs typeface="Times New Roman" panose="02020603050405020304" pitchFamily="18" charset="0"/>
-              </a:rPr>
-              <a:t>          "Burning Gold" - Christina </a:t>
-            </a:r>
-            <a:r>
-              <a:rPr lang="en-US" sz="3200" dirty="0" err="1" smtClean="0">
-                <a:latin typeface="Times New Roman" panose="02020603050405020304" pitchFamily="18" charset="0"/>
-                <a:cs typeface="Times New Roman" panose="02020603050405020304" pitchFamily="18" charset="0"/>
-              </a:rPr>
-              <a:t>Perri</a:t>
-            </a:r>
-            <a:endParaRPr lang="en-US" sz="3200" dirty="0">
-              <a:latin typeface="Times New Roman" panose="02020603050405020304" pitchFamily="18" charset="0"/>
-              <a:cs typeface="Times New Roman" panose="02020603050405020304" pitchFamily="18" charset="0"/>
-            </a:endParaRPr>
-          </a:p>
-        </p:txBody>
-      </p:sp>
-    </p:spTree>
-    <p:extLst>
-      <p:ext uri="{BB962C8B-B14F-4D97-AF65-F5344CB8AC3E}">
-        <p14:creationId xmlns:p14="http://schemas.microsoft.com/office/powerpoint/2010/main" val="1803844263"/>
-      </p:ext>
-    </p:extLst>
-  </p:cSld>
-  <p:clrMapOvr>
-    <a:masterClrMapping/>
-  </p:clrMapOvr>
-  <p:timing>
-    <p:tnLst>
-      <p:par>
-        <p:cTn id="1" dur="indefinite" restart="never" nodeType="tmRoot"/>
-      </p:par>
-    </p:tnLst>
-  </p:timing>
-</p:sld>
-</file>
-
-<file path=ppt/slides/slide13.xml><?xml version="1.0" encoding="utf-8"?>
-<p:sld xmlns:a="http://schemas.openxmlformats.org/drawingml/2006/main" xmlns:r="http://schemas.openxmlformats.org/officeDocument/2006/relationships" xmlns:p="http://schemas.openxmlformats.org/presentationml/2006/main">
-  <p:cSld>
-    <p:spTree>
-      <p:nvGrpSpPr>
-        <p:cNvPr id="1" name=""/>
-        <p:cNvGrpSpPr/>
-        <p:nvPr/>
-      </p:nvGrpSpPr>
-      <p:grpSpPr>
-        <a:xfrm>
-          <a:off x="0" y="0"/>
-          <a:ext cx="0" cy="0"/>
-          <a:chOff x="0" y="0"/>
-          <a:chExt cx="0" cy="0"/>
-        </a:xfrm>
-      </p:grpSpPr>
-      <p:sp>
-        <p:nvSpPr>
-          <p:cNvPr id="2" name="Title 1"/>
-          <p:cNvSpPr>
-            <a:spLocks noGrp="1"/>
-          </p:cNvSpPr>
-          <p:nvPr>
-            <p:ph type="ctrTitle"/>
-          </p:nvPr>
-        </p:nvSpPr>
-        <p:spPr>
-          <a:xfrm>
-            <a:off x="2811888" y="310994"/>
-            <a:ext cx="9144000" cy="1157198"/>
-          </a:xfrm>
-        </p:spPr>
-        <p:txBody>
-          <a:bodyPr/>
-          <a:lstStyle/>
-          <a:p>
-            <a:r>
-              <a:rPr lang="en-US" b="1" dirty="0" smtClean="0">
-                <a:latin typeface="Times New Roman" panose="02020603050405020304" pitchFamily="18" charset="0"/>
-                <a:cs typeface="Times New Roman" panose="02020603050405020304" pitchFamily="18" charset="0"/>
-              </a:rPr>
-              <a:t>Conclusion:</a:t>
-            </a:r>
-            <a:endParaRPr lang="en-US" b="1" dirty="0">
-              <a:latin typeface="Times New Roman" panose="02020603050405020304" pitchFamily="18" charset="0"/>
-              <a:cs typeface="Times New Roman" panose="02020603050405020304" pitchFamily="18" charset="0"/>
-            </a:endParaRPr>
-          </a:p>
-        </p:txBody>
-      </p:sp>
-      <p:sp>
-        <p:nvSpPr>
-          <p:cNvPr id="3" name="Subtitle 2"/>
-          <p:cNvSpPr>
-            <a:spLocks noGrp="1"/>
-          </p:cNvSpPr>
-          <p:nvPr>
-            <p:ph type="subTitle" idx="1"/>
-          </p:nvPr>
-        </p:nvSpPr>
-        <p:spPr>
-          <a:xfrm>
-            <a:off x="1524000" y="2228045"/>
-            <a:ext cx="9144000" cy="3029755"/>
-          </a:xfrm>
-        </p:spPr>
-        <p:txBody>
-          <a:bodyPr>
-            <a:normAutofit fontScale="70000" lnSpcReduction="20000"/>
-          </a:bodyPr>
-          <a:lstStyle/>
-          <a:p>
-            <a:r>
-              <a:rPr lang="en-US" sz="3600" dirty="0" smtClean="0">
-                <a:latin typeface="Times New Roman" panose="02020603050405020304" pitchFamily="18" charset="0"/>
-                <a:cs typeface="Times New Roman" panose="02020603050405020304" pitchFamily="18" charset="0"/>
-              </a:rPr>
-              <a:t>So at end we are going to suggest the songs according to the mood of the user .Mood of a user is often reflected in his/her social content, like tweets, blogs, article, status updates, etc. Timely analysis of a user’s social media can be used to improve the feelings, and even save a person’s life in an extreme case! Hence it becomes important to regularly analyze the social-media health of our friends and family to take timely action.</a:t>
-            </a:r>
-          </a:p>
-          <a:p>
-            <a:endParaRPr lang="en-US" sz="3600" dirty="0">
-              <a:latin typeface="Times New Roman" panose="02020603050405020304" pitchFamily="18" charset="0"/>
-              <a:cs typeface="Times New Roman" panose="02020603050405020304" pitchFamily="18" charset="0"/>
-            </a:endParaRPr>
-          </a:p>
-        </p:txBody>
-      </p:sp>
-    </p:spTree>
-    <p:extLst>
-      <p:ext uri="{BB962C8B-B14F-4D97-AF65-F5344CB8AC3E}">
-        <p14:creationId xmlns:p14="http://schemas.microsoft.com/office/powerpoint/2010/main" val="2120017101"/>
-      </p:ext>
-    </p:extLst>
-  </p:cSld>
-  <p:clrMapOvr>
-    <a:masterClrMapping/>
-  </p:clrMapOvr>
-  <p:timing>
-    <p:tnLst>
-      <p:par>
-        <p:cTn id="1" dur="indefinite" restart="never" nodeType="tmRoot"/>
-      </p:par>
-    </p:tnLst>
-  </p:timing>
-</p:sld>
-</file>
-
-<file path=ppt/slides/slide14.xml><?xml version="1.0" encoding="utf-8"?>
-<p:sld xmlns:a="http://schemas.openxmlformats.org/drawingml/2006/main" xmlns:r="http://schemas.openxmlformats.org/officeDocument/2006/relationships" xmlns:p="http://schemas.openxmlformats.org/presentationml/2006/main">
-  <p:cSld>
-    <p:spTree>
-      <p:nvGrpSpPr>
-        <p:cNvPr id="1" name=""/>
-        <p:cNvGrpSpPr/>
-        <p:nvPr/>
-      </p:nvGrpSpPr>
-      <p:grpSpPr>
-        <a:xfrm>
-          <a:off x="0" y="0"/>
-          <a:ext cx="0" cy="0"/>
-          <a:chOff x="0" y="0"/>
-          <a:chExt cx="0" cy="0"/>
-        </a:xfrm>
-      </p:grpSpPr>
-      <p:sp>
-        <p:nvSpPr>
-          <p:cNvPr id="2" name="Title 1"/>
-          <p:cNvSpPr>
-            <a:spLocks noGrp="1"/>
-          </p:cNvSpPr>
-          <p:nvPr>
-            <p:ph type="ctrTitle"/>
-          </p:nvPr>
-        </p:nvSpPr>
-        <p:spPr>
-          <a:xfrm>
-            <a:off x="2013396" y="993574"/>
-            <a:ext cx="9144000" cy="951136"/>
-          </a:xfrm>
-        </p:spPr>
-        <p:txBody>
-          <a:bodyPr>
-            <a:normAutofit fontScale="90000"/>
-          </a:bodyPr>
-          <a:lstStyle/>
-          <a:p>
-            <a:r>
-              <a:rPr lang="en-US" sz="5300" b="1" dirty="0" smtClean="0">
-                <a:latin typeface="Times New Roman" panose="02020603050405020304" pitchFamily="18" charset="0"/>
-                <a:cs typeface="Times New Roman" panose="02020603050405020304" pitchFamily="18" charset="0"/>
-              </a:rPr>
-              <a:t>Role of each member</a:t>
-            </a:r>
-            <a:r>
-              <a:rPr lang="en-US" sz="7200" b="1" dirty="0" smtClean="0">
-                <a:latin typeface="Times New Roman" panose="02020603050405020304" pitchFamily="18" charset="0"/>
-                <a:cs typeface="Times New Roman" panose="02020603050405020304" pitchFamily="18" charset="0"/>
-              </a:rPr>
-              <a:t>:</a:t>
-            </a:r>
-            <a:endParaRPr lang="en-US" sz="7200" b="1" dirty="0">
-              <a:latin typeface="Times New Roman" panose="02020603050405020304" pitchFamily="18" charset="0"/>
-              <a:cs typeface="Times New Roman" panose="02020603050405020304" pitchFamily="18" charset="0"/>
-            </a:endParaRPr>
-          </a:p>
-        </p:txBody>
-      </p:sp>
-      <p:sp>
-        <p:nvSpPr>
-          <p:cNvPr id="3" name="Subtitle 2"/>
-          <p:cNvSpPr>
-            <a:spLocks noGrp="1"/>
-          </p:cNvSpPr>
-          <p:nvPr>
-            <p:ph type="subTitle" idx="1"/>
-          </p:nvPr>
-        </p:nvSpPr>
-        <p:spPr>
-          <a:xfrm>
-            <a:off x="1111876" y="2356834"/>
-            <a:ext cx="9144000" cy="2965361"/>
-          </a:xfrm>
-        </p:spPr>
-        <p:txBody>
-          <a:bodyPr>
-            <a:normAutofit fontScale="32500" lnSpcReduction="20000"/>
-          </a:bodyPr>
-          <a:lstStyle/>
-          <a:p>
-            <a:pPr algn="l"/>
-            <a:r>
-              <a:rPr lang="en-US" sz="5400" dirty="0" err="1" smtClean="0">
-                <a:latin typeface="Times New Roman" panose="02020603050405020304" pitchFamily="18" charset="0"/>
-                <a:cs typeface="Times New Roman" panose="02020603050405020304" pitchFamily="18" charset="0"/>
-              </a:rPr>
-              <a:t>Mrinal</a:t>
-            </a:r>
-            <a:r>
-              <a:rPr lang="en-US" sz="5400" dirty="0" smtClean="0">
-                <a:latin typeface="Times New Roman" panose="02020603050405020304" pitchFamily="18" charset="0"/>
-                <a:cs typeface="Times New Roman" panose="02020603050405020304" pitchFamily="18" charset="0"/>
-              </a:rPr>
-              <a:t>: Idea of problem i.e.. Suggesting the playlist of the songs according to the mood of the user.</a:t>
-            </a:r>
-          </a:p>
-          <a:p>
-            <a:pPr algn="l"/>
-            <a:endParaRPr lang="en-US" sz="5400" dirty="0" smtClean="0">
-              <a:latin typeface="Times New Roman" panose="02020603050405020304" pitchFamily="18" charset="0"/>
-              <a:cs typeface="Times New Roman" panose="02020603050405020304" pitchFamily="18" charset="0"/>
-            </a:endParaRPr>
-          </a:p>
-          <a:p>
-            <a:pPr algn="l"/>
-            <a:r>
-              <a:rPr lang="en-US" sz="5400" dirty="0" err="1" smtClean="0">
-                <a:latin typeface="Times New Roman" panose="02020603050405020304" pitchFamily="18" charset="0"/>
-                <a:cs typeface="Times New Roman" panose="02020603050405020304" pitchFamily="18" charset="0"/>
-              </a:rPr>
-              <a:t>Mukul</a:t>
-            </a:r>
-            <a:r>
-              <a:rPr lang="en-US" sz="5400" dirty="0" smtClean="0">
-                <a:latin typeface="Times New Roman" panose="02020603050405020304" pitchFamily="18" charset="0"/>
-                <a:cs typeface="Times New Roman" panose="02020603050405020304" pitchFamily="18" charset="0"/>
-              </a:rPr>
-              <a:t>: Data collected about the list of the song.</a:t>
-            </a:r>
-          </a:p>
-          <a:p>
-            <a:pPr algn="l"/>
-            <a:endParaRPr lang="en-US" sz="5400" dirty="0" smtClean="0">
-              <a:latin typeface="Times New Roman" panose="02020603050405020304" pitchFamily="18" charset="0"/>
-              <a:cs typeface="Times New Roman" panose="02020603050405020304" pitchFamily="18" charset="0"/>
-            </a:endParaRPr>
-          </a:p>
-          <a:p>
-            <a:pPr algn="l"/>
-            <a:r>
-              <a:rPr lang="en-US" sz="5400" dirty="0" err="1" smtClean="0">
-                <a:latin typeface="Times New Roman" panose="02020603050405020304" pitchFamily="18" charset="0"/>
-                <a:cs typeface="Times New Roman" panose="02020603050405020304" pitchFamily="18" charset="0"/>
-              </a:rPr>
-              <a:t>Keshav</a:t>
-            </a:r>
-            <a:r>
-              <a:rPr lang="en-US" sz="5400" dirty="0" smtClean="0">
-                <a:latin typeface="Times New Roman" panose="02020603050405020304" pitchFamily="18" charset="0"/>
-                <a:cs typeface="Times New Roman" panose="02020603050405020304" pitchFamily="18" charset="0"/>
-              </a:rPr>
-              <a:t>: Prepared </a:t>
-            </a:r>
-            <a:r>
-              <a:rPr lang="en-US" sz="5400" dirty="0" err="1" smtClean="0">
-                <a:latin typeface="Times New Roman" panose="02020603050405020304" pitchFamily="18" charset="0"/>
-                <a:cs typeface="Times New Roman" panose="02020603050405020304" pitchFamily="18" charset="0"/>
-              </a:rPr>
-              <a:t>ppt</a:t>
-            </a:r>
-            <a:r>
-              <a:rPr lang="en-US" sz="5400" dirty="0" smtClean="0">
-                <a:latin typeface="Times New Roman" panose="02020603050405020304" pitchFamily="18" charset="0"/>
-                <a:cs typeface="Times New Roman" panose="02020603050405020304" pitchFamily="18" charset="0"/>
-              </a:rPr>
-              <a:t> and document.</a:t>
-            </a:r>
-          </a:p>
-          <a:p>
-            <a:pPr algn="l"/>
-            <a:endParaRPr lang="en-US" sz="5400" dirty="0" smtClean="0">
-              <a:latin typeface="Times New Roman" panose="02020603050405020304" pitchFamily="18" charset="0"/>
-              <a:cs typeface="Times New Roman" panose="02020603050405020304" pitchFamily="18" charset="0"/>
-            </a:endParaRPr>
-          </a:p>
-          <a:p>
-            <a:pPr algn="l"/>
-            <a:r>
-              <a:rPr lang="en-US" sz="5400" dirty="0" err="1" smtClean="0">
-                <a:latin typeface="Times New Roman" panose="02020603050405020304" pitchFamily="18" charset="0"/>
-                <a:cs typeface="Times New Roman" panose="02020603050405020304" pitchFamily="18" charset="0"/>
-              </a:rPr>
-              <a:t>Kartik</a:t>
-            </a:r>
-            <a:r>
-              <a:rPr lang="en-US" sz="5400" dirty="0" smtClean="0">
-                <a:latin typeface="Times New Roman" panose="02020603050405020304" pitchFamily="18" charset="0"/>
-                <a:cs typeface="Times New Roman" panose="02020603050405020304" pitchFamily="18" charset="0"/>
-              </a:rPr>
-              <a:t>: Collected and arranged the data.</a:t>
-            </a:r>
-          </a:p>
-        </p:txBody>
-      </p:sp>
-    </p:spTree>
-    <p:extLst>
-      <p:ext uri="{BB962C8B-B14F-4D97-AF65-F5344CB8AC3E}">
-        <p14:creationId xmlns:p14="http://schemas.microsoft.com/office/powerpoint/2010/main" val="2735625705"/>
-      </p:ext>
-    </p:extLst>
-  </p:cSld>
-  <p:clrMapOvr>
-    <a:masterClrMapping/>
-  </p:clrMapOvr>
-  <p:timing>
-    <p:tnLst>
-      <p:par>
-        <p:cTn id="1" dur="indefinite" restart="never" nodeType="tmRoot"/>
-      </p:par>
-    </p:tnLst>
-  </p:timing>
-</p:sld>
-</file>
-
-<file path=ppt/slides/slide15.xml><?xml version="1.0" encoding="utf-8"?>
 <p:sld xmlns:a="http://schemas.openxmlformats.org/drawingml/2006/main" xmlns:r="http://schemas.openxmlformats.org/officeDocument/2006/relationships" xmlns:p="http://schemas.openxmlformats.org/presentationml/2006/main">
   <p:cSld>
     <p:spTree>
@@ -14319,15 +13525,12 @@
           </a:bodyPr>
           <a:lstStyle/>
           <a:p>
-            <a:pPr marL="857250" indent="-857250">
-              <a:buFont typeface="Wingdings" panose="05000000000000000000" pitchFamily="2" charset="2"/>
-              <a:buChar char="Ø"/>
-            </a:pPr>
+            <a:pPr algn="ctr"/>
             <a:r>
-              <a:rPr lang="en-US" sz="7200" dirty="0" smtClean="0">
+              <a:rPr lang="en-US" sz="7200" b="1" i="1" dirty="0" smtClean="0">
                 <a:solidFill>
-                  <a:schemeClr val="bg2">
-                    <a:lumMod val="10000"/>
+                  <a:schemeClr val="tx2">
+                    <a:lumMod val="50000"/>
                   </a:schemeClr>
                 </a:solidFill>
                 <a:latin typeface="Times New Roman" panose="02020603050405020304" pitchFamily="18" charset="0"/>
@@ -14335,10 +13538,10 @@
               </a:rPr>
               <a:t>Topic: Help me with my Mood</a:t>
             </a:r>
-            <a:endParaRPr lang="en-US" sz="7200" dirty="0">
+            <a:endParaRPr lang="en-US" sz="7200" b="1" i="1" dirty="0">
               <a:solidFill>
-                <a:schemeClr val="bg2">
-                  <a:lumMod val="10000"/>
+                <a:schemeClr val="tx2">
+                  <a:lumMod val="50000"/>
                 </a:schemeClr>
               </a:solidFill>
               <a:latin typeface="Times New Roman" panose="02020603050405020304" pitchFamily="18" charset="0"/>
@@ -14396,7 +13599,7 @@
         </p:nvSpPr>
         <p:spPr>
           <a:xfrm>
-            <a:off x="1340335" y="2836572"/>
+            <a:off x="2108086" y="3423169"/>
             <a:ext cx="8055456" cy="2387600"/>
           </a:xfrm>
         </p:spPr>
@@ -14406,43 +13609,27 @@
           </a:bodyPr>
           <a:lstStyle/>
           <a:p>
-            <a:pPr marL="571500" indent="-571500">
-              <a:buFont typeface="Wingdings" panose="05000000000000000000" pitchFamily="2" charset="2"/>
-              <a:buChar char="Ø"/>
-            </a:pPr>
+            <a:pPr algn="ctr"/>
             <a:r>
               <a:rPr lang="en-US" sz="3600" dirty="0" smtClean="0">
                 <a:latin typeface="Times New Roman" panose="02020603050405020304" pitchFamily="18" charset="0"/>
                 <a:cs typeface="Times New Roman" panose="02020603050405020304" pitchFamily="18" charset="0"/>
               </a:rPr>
-              <a:t>Team Members : </a:t>
-            </a:r>
-            <a:r>
-              <a:rPr lang="en-US" sz="3600" dirty="0">
-                <a:latin typeface="Times New Roman" panose="02020603050405020304" pitchFamily="18" charset="0"/>
-                <a:cs typeface="Times New Roman" panose="02020603050405020304" pitchFamily="18" charset="0"/>
-              </a:rPr>
-              <a:t/>
-            </a:r>
-            <a:br>
-              <a:rPr lang="en-US" sz="3600" dirty="0">
-                <a:latin typeface="Times New Roman" panose="02020603050405020304" pitchFamily="18" charset="0"/>
-                <a:cs typeface="Times New Roman" panose="02020603050405020304" pitchFamily="18" charset="0"/>
-              </a:rPr>
-            </a:br>
-            <a:r>
-              <a:rPr lang="en-US" sz="3600" dirty="0" smtClean="0">
-                <a:latin typeface="Times New Roman" panose="02020603050405020304" pitchFamily="18" charset="0"/>
-                <a:cs typeface="Times New Roman" panose="02020603050405020304" pitchFamily="18" charset="0"/>
-              </a:rPr>
-              <a:t> ISHFAQ AHMAD BHAT</a:t>
+              <a:t>Team </a:t>
             </a:r>
             <a:r>
               <a:rPr lang="en-US" sz="3600" dirty="0" smtClean="0">
                 <a:latin typeface="Times New Roman" panose="02020603050405020304" pitchFamily="18" charset="0"/>
                 <a:cs typeface="Times New Roman" panose="02020603050405020304" pitchFamily="18" charset="0"/>
               </a:rPr>
-              <a:t/>
+              <a:t>Members </a:t>
+            </a:r>
+            <a:r>
+              <a:rPr lang="en-US" sz="3600" dirty="0" smtClean="0">
+                <a:latin typeface="Times New Roman" panose="02020603050405020304" pitchFamily="18" charset="0"/>
+                <a:cs typeface="Times New Roman" panose="02020603050405020304" pitchFamily="18" charset="0"/>
+              </a:rPr>
+              <a:t>:</a:t>
             </a:r>
             <a:br>
               <a:rPr lang="en-US" sz="3600" dirty="0" smtClean="0">
@@ -14458,13 +13645,39 @@
               <a:t> </a:t>
             </a:r>
             <a:r>
-              <a:rPr lang="en-US" sz="3600" dirty="0" smtClean="0">
+              <a:rPr lang="en-US" sz="3600" b="1" dirty="0">
                 <a:latin typeface="Times New Roman" panose="02020603050405020304" pitchFamily="18" charset="0"/>
                 <a:cs typeface="Times New Roman" panose="02020603050405020304" pitchFamily="18" charset="0"/>
               </a:rPr>
-              <a:t>MOHIT GUPTA</a:t>
+              <a:t/>
             </a:r>
-            <a:endParaRPr lang="en-US" sz="3600" dirty="0">
+            <a:br>
+              <a:rPr lang="en-US" sz="3600" b="1" dirty="0">
+                <a:latin typeface="Times New Roman" panose="02020603050405020304" pitchFamily="18" charset="0"/>
+                <a:cs typeface="Times New Roman" panose="02020603050405020304" pitchFamily="18" charset="0"/>
+              </a:rPr>
+            </a:br>
+            <a:r>
+              <a:rPr lang="en-US" sz="3600" b="1" dirty="0" smtClean="0">
+                <a:latin typeface="Times New Roman" panose="02020603050405020304" pitchFamily="18" charset="0"/>
+                <a:cs typeface="Times New Roman" panose="02020603050405020304" pitchFamily="18" charset="0"/>
+              </a:rPr>
+              <a:t> ISHFAQ AHMAD BHAT</a:t>
+            </a:r>
+            <a:br>
+              <a:rPr lang="en-US" sz="3600" b="1" dirty="0" smtClean="0">
+                <a:latin typeface="Times New Roman" panose="02020603050405020304" pitchFamily="18" charset="0"/>
+                <a:cs typeface="Times New Roman" panose="02020603050405020304" pitchFamily="18" charset="0"/>
+              </a:rPr>
+            </a:br>
+            <a:r>
+              <a:rPr lang="en-US" sz="3600" b="1" dirty="0" smtClean="0">
+                <a:latin typeface="Times New Roman" panose="02020603050405020304" pitchFamily="18" charset="0"/>
+                <a:cs typeface="Times New Roman" panose="02020603050405020304" pitchFamily="18" charset="0"/>
+              </a:rPr>
+              <a:t> MOHIT GUPTA</a:t>
+            </a:r>
+            <a:endParaRPr lang="en-US" sz="3600" b="1" dirty="0">
               <a:latin typeface="Times New Roman" panose="02020603050405020304" pitchFamily="18" charset="0"/>
               <a:cs typeface="Times New Roman" panose="02020603050405020304" pitchFamily="18" charset="0"/>
             </a:endParaRPr>
@@ -14483,31 +13696,25 @@
         </p:nvSpPr>
         <p:spPr>
           <a:xfrm>
-            <a:off x="1742940" y="1180810"/>
-            <a:ext cx="9144000" cy="1655762"/>
+            <a:off x="1340335" y="637345"/>
+            <a:ext cx="9144000" cy="1510632"/>
           </a:xfrm>
         </p:spPr>
         <p:txBody>
           <a:bodyPr>
-            <a:normAutofit fontScale="92500" lnSpcReduction="20000"/>
+            <a:normAutofit/>
           </a:bodyPr>
           <a:lstStyle/>
           <a:p>
+            <a:pPr algn="ctr"/>
             <a:r>
-              <a:rPr lang="en-US" sz="6600" dirty="0" smtClean="0">
+              <a:rPr lang="en-US" sz="5000" b="1" dirty="0" smtClean="0">
                 <a:latin typeface="Times New Roman" panose="02020603050405020304" pitchFamily="18" charset="0"/>
                 <a:cs typeface="Times New Roman" panose="02020603050405020304" pitchFamily="18" charset="0"/>
               </a:rPr>
-              <a:t>Team Name</a:t>
+              <a:t>Team Name: Bug hunter</a:t>
             </a:r>
-            <a:r>
-              <a:rPr lang="en-US" sz="6600" dirty="0" smtClean="0">
-                <a:latin typeface="Times New Roman" panose="02020603050405020304" pitchFamily="18" charset="0"/>
-                <a:cs typeface="Times New Roman" panose="02020603050405020304" pitchFamily="18" charset="0"/>
-              </a:rPr>
-              <a:t>: Bug hunter</a:t>
-            </a:r>
-            <a:endParaRPr lang="en-US" sz="6600" dirty="0">
+            <a:endParaRPr lang="en-US" sz="5000" b="1" dirty="0">
               <a:latin typeface="Times New Roman" panose="02020603050405020304" pitchFamily="18" charset="0"/>
               <a:cs typeface="Times New Roman" panose="02020603050405020304" pitchFamily="18" charset="0"/>
             </a:endParaRPr>
@@ -14589,7 +13796,7 @@
         </p:nvSpPr>
         <p:spPr>
           <a:xfrm>
-            <a:off x="3506566" y="-1038082"/>
+            <a:off x="3463433" y="-1193800"/>
             <a:ext cx="9144000" cy="2387600"/>
           </a:xfrm>
         </p:spPr>
@@ -14602,14 +13809,7 @@
                 <a:latin typeface="Times New Roman" panose="02020603050405020304" pitchFamily="18" charset="0"/>
                 <a:cs typeface="Times New Roman" panose="02020603050405020304" pitchFamily="18" charset="0"/>
               </a:rPr>
-              <a:t>   Main </a:t>
-            </a:r>
-            <a:r>
-              <a:rPr lang="en-US" b="1" dirty="0" smtClean="0">
-                <a:latin typeface="Times New Roman" panose="02020603050405020304" pitchFamily="18" charset="0"/>
-                <a:cs typeface="Times New Roman" panose="02020603050405020304" pitchFamily="18" charset="0"/>
-              </a:rPr>
-              <a:t>Agenda</a:t>
+              <a:t>   MAIN AGENDA</a:t>
             </a:r>
             <a:endParaRPr lang="en-US" b="1" dirty="0">
               <a:latin typeface="Times New Roman" panose="02020603050405020304" pitchFamily="18" charset="0"/>
@@ -14630,8 +13830,8 @@
         </p:nvSpPr>
         <p:spPr>
           <a:xfrm>
-            <a:off x="1417380" y="1360988"/>
-            <a:ext cx="9144000" cy="5497012"/>
+            <a:off x="641003" y="1145328"/>
+            <a:ext cx="10814876" cy="5497012"/>
           </a:xfrm>
         </p:spPr>
         <p:txBody>
@@ -14641,18 +13841,28 @@
           <a:lstStyle/>
           <a:p>
             <a:r>
-              <a:rPr lang="en-US" dirty="0" smtClean="0">
+              <a:rPr lang="en-US" sz="2300" i="1" cap="none" dirty="0" smtClean="0">
                 <a:solidFill>
-                  <a:schemeClr val="bg1"/>
+                  <a:srgbClr val="FFFF00"/>
                 </a:solidFill>
                 <a:latin typeface="Times New Roman" panose="02020603050405020304" pitchFamily="18" charset="0"/>
                 <a:cs typeface="Times New Roman" panose="02020603050405020304" pitchFamily="18" charset="0"/>
               </a:rPr>
-              <a:t>A person’s emotions and moods have direct bearings on his/her daily activities. It is necessary to eliminate negative emotions that our family or friends might be experiencing, to help them lead a better life. Research has shown that social networking activity is a good source to gauge a person’s state of mind. Mood of a user is often reflected in his/her social content, like tweets, blogs, article, status updates, etc. Timely analysis of a user’s social media can be used to improve the feelings, and even save a person’s life in an extreme case! Hence it becomes important to regularly analyze the social-media health of our friends and family to take timely action.</a:t>
+              <a:t>A person’s emotions and moods have direct bearings on his/her daily activities. It is necessary to eliminate negative emotions that our family or friends might be experiencing, to help them lead A better life. So to help them with this and detect their mood so as to help them with changing in it and give them better options so that one can change his/her mood. It can be done by using webcam and detect one’s facial expressions to conclude what all the are undergoing with and hel</a:t>
             </a:r>
-            <a:endParaRPr lang="en-US" dirty="0">
+            <a:r>
+              <a:rPr lang="en-US" sz="2300" i="1" cap="none" dirty="0" smtClean="0">
+                <a:solidFill>
+                  <a:srgbClr val="FFFF00"/>
+                </a:solidFill>
+                <a:latin typeface="Times New Roman" panose="02020603050405020304" pitchFamily="18" charset="0"/>
+                <a:cs typeface="Times New Roman" panose="02020603050405020304" pitchFamily="18" charset="0"/>
+              </a:rPr>
+              <a:t>p them with changing their mood according to their mood. Which will finally help one to remain happy whole day and do all their daily work with perfection and happiness.</a:t>
+            </a:r>
+            <a:endParaRPr lang="en-US" sz="2300" i="1" cap="none" dirty="0">
               <a:solidFill>
-                <a:schemeClr val="bg1"/>
+                <a:srgbClr val="FFFF00"/>
               </a:solidFill>
               <a:latin typeface="Times New Roman" panose="02020603050405020304" pitchFamily="18" charset="0"/>
               <a:cs typeface="Times New Roman" panose="02020603050405020304" pitchFamily="18" charset="0"/>
@@ -14668,8 +13878,8 @@
         </p:nvSpPr>
         <p:spPr>
           <a:xfrm>
-            <a:off x="4505136" y="4142509"/>
-            <a:ext cx="2968487" cy="2272146"/>
+            <a:off x="5667555" y="3857838"/>
+            <a:ext cx="2613804" cy="2172026"/>
           </a:xfrm>
           <a:prstGeom prst="smileyFace">
             <a:avLst/>
@@ -14773,7 +13983,7 @@
         </p:nvSpPr>
         <p:spPr>
           <a:xfrm>
-            <a:off x="1961882" y="233721"/>
+            <a:off x="1884244" y="323873"/>
             <a:ext cx="9144000" cy="1157197"/>
           </a:xfrm>
         </p:spPr>
@@ -14783,14 +13993,27 @@
           </a:bodyPr>
           <a:lstStyle/>
           <a:p>
+            <a:pPr algn="ctr"/>
             <a:r>
-              <a:rPr lang="en-US" sz="8800" b="1" dirty="0" smtClean="0">
+              <a:rPr lang="en-US" sz="7200" b="1" dirty="0" smtClean="0">
+                <a:solidFill>
+                  <a:schemeClr val="accent1">
+                    <a:lumMod val="60000"/>
+                    <a:lumOff val="40000"/>
+                  </a:schemeClr>
+                </a:solidFill>
                 <a:latin typeface="Times New Roman" panose="02020603050405020304" pitchFamily="18" charset="0"/>
                 <a:cs typeface="Times New Roman" panose="02020603050405020304" pitchFamily="18" charset="0"/>
               </a:rPr>
-              <a:t>Working</a:t>
+              <a:t>WORKING</a:t>
             </a:r>
-            <a:endParaRPr lang="en-US" sz="8800" b="1" dirty="0">
+            <a:endParaRPr lang="en-US" sz="7200" b="1" dirty="0">
+              <a:solidFill>
+                <a:schemeClr val="accent1">
+                  <a:lumMod val="60000"/>
+                  <a:lumOff val="40000"/>
+                </a:schemeClr>
+              </a:solidFill>
               <a:latin typeface="Times New Roman" panose="02020603050405020304" pitchFamily="18" charset="0"/>
               <a:cs typeface="Times New Roman" panose="02020603050405020304" pitchFamily="18" charset="0"/>
             </a:endParaRPr>
@@ -14809,8 +14032,8 @@
         </p:nvSpPr>
         <p:spPr>
           <a:xfrm>
-            <a:off x="1524000" y="1481070"/>
-            <a:ext cx="9144000" cy="3776730"/>
+            <a:off x="799381" y="1420685"/>
+            <a:ext cx="10691004" cy="3776730"/>
           </a:xfrm>
         </p:spPr>
         <p:txBody>
@@ -14820,47 +14043,207 @@
           <a:lstStyle/>
           <a:p>
             <a:r>
-              <a:rPr lang="en-US" sz="4000" dirty="0" smtClean="0">
+              <a:rPr lang="en-US" sz="2000" i="1" cap="none" dirty="0" smtClean="0">
+                <a:solidFill>
+                  <a:srgbClr val="FFFF00"/>
+                </a:solidFill>
                 <a:latin typeface="Times New Roman" panose="02020603050405020304" pitchFamily="18" charset="0"/>
                 <a:cs typeface="Times New Roman" panose="02020603050405020304" pitchFamily="18" charset="0"/>
               </a:rPr>
-              <a:t>In this project we are going to get a person’s social contents (e.g. tweets) for a duration (e.g. past 24 hours). Social Media like Instagram, Facebook, Twitter, </a:t>
+              <a:t>In this project we are going to use facial landmarks of A person to detect emotions. So that our software can detect </a:t>
             </a:r>
             <a:r>
-              <a:rPr lang="en-US" sz="4000" dirty="0" err="1" smtClean="0">
+              <a:rPr lang="en-US" sz="2000" i="1" cap="none" dirty="0" smtClean="0">
+                <a:solidFill>
+                  <a:srgbClr val="FFFF00"/>
+                </a:solidFill>
                 <a:latin typeface="Times New Roman" panose="02020603050405020304" pitchFamily="18" charset="0"/>
                 <a:cs typeface="Times New Roman" panose="02020603050405020304" pitchFamily="18" charset="0"/>
               </a:rPr>
-              <a:t>Whatsapp</a:t>
+              <a:t>his/her emotions and after concluding about so can suggest him different activities which can be done to change his mood.</a:t>
             </a:r>
+          </a:p>
+          <a:p>
             <a:r>
-              <a:rPr lang="en-US" sz="4000" dirty="0" smtClean="0">
+              <a:rPr lang="en-US" sz="2000" i="1" cap="none" dirty="0" smtClean="0">
+                <a:solidFill>
+                  <a:srgbClr val="FFFF00"/>
+                </a:solidFill>
                 <a:latin typeface="Times New Roman" panose="02020603050405020304" pitchFamily="18" charset="0"/>
                 <a:cs typeface="Times New Roman" panose="02020603050405020304" pitchFamily="18" charset="0"/>
               </a:rPr>
-              <a:t>, Snapchat, </a:t>
+              <a:t>In this we will also use </a:t>
             </a:r>
             <a:r>
-              <a:rPr lang="en-US" sz="4000" dirty="0" err="1" smtClean="0">
+              <a:rPr lang="en-US" sz="2000" i="1" cap="none" dirty="0" err="1" smtClean="0">
+                <a:solidFill>
+                  <a:srgbClr val="FFFF00"/>
+                </a:solidFill>
                 <a:latin typeface="Times New Roman" panose="02020603050405020304" pitchFamily="18" charset="0"/>
                 <a:cs typeface="Times New Roman" panose="02020603050405020304" pitchFamily="18" charset="0"/>
               </a:rPr>
-              <a:t>e.t.c</a:t>
+              <a:t>auenthication</a:t>
             </a:r>
             <a:r>
-              <a:rPr lang="en-US" sz="4000" dirty="0" smtClean="0">
+              <a:rPr lang="en-US" sz="2000" i="1" cap="none" dirty="0" smtClean="0">
+                <a:solidFill>
+                  <a:srgbClr val="FFFF00"/>
+                </a:solidFill>
                 <a:latin typeface="Times New Roman" panose="02020603050405020304" pitchFamily="18" charset="0"/>
                 <a:cs typeface="Times New Roman" panose="02020603050405020304" pitchFamily="18" charset="0"/>
               </a:rPr>
-              <a:t>.</a:t>
+              <a:t> to </a:t>
             </a:r>
-            <a:endParaRPr lang="en-US" sz="4000" dirty="0">
+            <a:r>
+              <a:rPr lang="en-US" sz="2000" i="1" cap="none" dirty="0" err="1" smtClean="0">
+                <a:solidFill>
+                  <a:srgbClr val="FFFF00"/>
+                </a:solidFill>
+                <a:latin typeface="Times New Roman" panose="02020603050405020304" pitchFamily="18" charset="0"/>
+                <a:cs typeface="Times New Roman" panose="02020603050405020304" pitchFamily="18" charset="0"/>
+              </a:rPr>
+              <a:t>acess</a:t>
+            </a:r>
+            <a:r>
+              <a:rPr lang="en-US" sz="2000" i="1" cap="none" dirty="0" smtClean="0">
+                <a:solidFill>
+                  <a:srgbClr val="FFFF00"/>
+                </a:solidFill>
+                <a:latin typeface="Times New Roman" panose="02020603050405020304" pitchFamily="18" charset="0"/>
+                <a:cs typeface="Times New Roman" panose="02020603050405020304" pitchFamily="18" charset="0"/>
+              </a:rPr>
+              <a:t> data from various social networking of user such as </a:t>
+            </a:r>
+            <a:r>
+              <a:rPr lang="en-US" sz="2000" i="1" cap="none" dirty="0" err="1" smtClean="0">
+                <a:solidFill>
+                  <a:srgbClr val="FFFF00"/>
+                </a:solidFill>
+                <a:latin typeface="Times New Roman" panose="02020603050405020304" pitchFamily="18" charset="0"/>
+                <a:cs typeface="Times New Roman" panose="02020603050405020304" pitchFamily="18" charset="0"/>
+              </a:rPr>
+              <a:t>Facebook,Instagram,You</a:t>
+            </a:r>
+            <a:r>
+              <a:rPr lang="en-US" sz="2000" i="1" cap="none" dirty="0" smtClean="0">
+                <a:solidFill>
+                  <a:srgbClr val="FFFF00"/>
+                </a:solidFill>
+                <a:latin typeface="Times New Roman" panose="02020603050405020304" pitchFamily="18" charset="0"/>
+                <a:cs typeface="Times New Roman" panose="02020603050405020304" pitchFamily="18" charset="0"/>
+              </a:rPr>
+              <a:t> Tube and also playlist so that we can evaluate all the searches and type of data being posted by user and detect the mood he might be having as </a:t>
+            </a:r>
+            <a:r>
+              <a:rPr lang="en-US" sz="2000" i="1" cap="none" dirty="0" err="1" smtClean="0">
+                <a:solidFill>
+                  <a:srgbClr val="FFFF00"/>
+                </a:solidFill>
+                <a:latin typeface="Times New Roman" panose="02020603050405020304" pitchFamily="18" charset="0"/>
+                <a:cs typeface="Times New Roman" panose="02020603050405020304" pitchFamily="18" charset="0"/>
+              </a:rPr>
+              <a:t>Nowdays</a:t>
+            </a:r>
+            <a:r>
+              <a:rPr lang="en-US" sz="2000" i="1" cap="none" dirty="0" smtClean="0">
+                <a:solidFill>
+                  <a:srgbClr val="FFFF00"/>
+                </a:solidFill>
+                <a:latin typeface="Times New Roman" panose="02020603050405020304" pitchFamily="18" charset="0"/>
+                <a:cs typeface="Times New Roman" panose="02020603050405020304" pitchFamily="18" charset="0"/>
+              </a:rPr>
+              <a:t> everyone is very much active on social media </a:t>
+            </a:r>
+            <a:r>
+              <a:rPr lang="en-US" sz="2000" i="1" cap="none" dirty="0" err="1" smtClean="0">
+                <a:solidFill>
+                  <a:srgbClr val="FFFF00"/>
+                </a:solidFill>
+                <a:latin typeface="Times New Roman" panose="02020603050405020304" pitchFamily="18" charset="0"/>
+                <a:cs typeface="Times New Roman" panose="02020603050405020304" pitchFamily="18" charset="0"/>
+              </a:rPr>
+              <a:t>platfroms</a:t>
+            </a:r>
+            <a:r>
+              <a:rPr lang="en-US" sz="2000" i="1" cap="none" dirty="0" smtClean="0">
+                <a:solidFill>
+                  <a:srgbClr val="FFFF00"/>
+                </a:solidFill>
+                <a:latin typeface="Times New Roman" panose="02020603050405020304" pitchFamily="18" charset="0"/>
+                <a:cs typeface="Times New Roman" panose="02020603050405020304" pitchFamily="18" charset="0"/>
+              </a:rPr>
+              <a:t> and one can easily evaluate about person’s mood with help of them.</a:t>
+            </a:r>
+            <a:endParaRPr lang="en-US" sz="2000" i="1" cap="none" dirty="0">
+              <a:solidFill>
+                <a:srgbClr val="FFFF00"/>
+              </a:solidFill>
               <a:latin typeface="Times New Roman" panose="02020603050405020304" pitchFamily="18" charset="0"/>
               <a:cs typeface="Times New Roman" panose="02020603050405020304" pitchFamily="18" charset="0"/>
             </a:endParaRPr>
           </a:p>
         </p:txBody>
       </p:sp>
+      <p:pic>
+        <p:nvPicPr>
+          <p:cNvPr id="4" name="Picture 3"/>
+          <p:cNvPicPr>
+            <a:picLocks noChangeAspect="1"/>
+          </p:cNvPicPr>
+          <p:nvPr/>
+        </p:nvPicPr>
+        <p:blipFill>
+          <a:blip r:embed="rId2" cstate="print">
+            <a:extLst>
+              <a:ext uri="{28A0092B-C50C-407E-A947-70E740481C1C}">
+                <a14:useLocalDpi xmlns:a14="http://schemas.microsoft.com/office/drawing/2010/main" val="0"/>
+              </a:ext>
+            </a:extLst>
+          </a:blip>
+          <a:stretch>
+            <a:fillRect/>
+          </a:stretch>
+        </p:blipFill>
+        <p:spPr>
+          <a:xfrm>
+            <a:off x="799381" y="3824351"/>
+            <a:ext cx="3424816" cy="2469876"/>
+          </a:xfrm>
+          <a:prstGeom prst="rect">
+            <a:avLst/>
+          </a:prstGeom>
+        </p:spPr>
+      </p:pic>
+      <p:pic>
+        <p:nvPicPr>
+          <p:cNvPr id="5" name="Picture 4"/>
+          <p:cNvPicPr>
+            <a:picLocks noChangeAspect="1"/>
+          </p:cNvPicPr>
+          <p:nvPr/>
+        </p:nvPicPr>
+        <p:blipFill>
+          <a:blip r:embed="rId3" cstate="print">
+            <a:extLst>
+              <a:ext uri="{28A0092B-C50C-407E-A947-70E740481C1C}">
+                <a14:useLocalDpi xmlns:a14="http://schemas.microsoft.com/office/drawing/2010/main" val="0"/>
+              </a:ext>
+            </a:extLst>
+          </a:blip>
+          <a:stretch>
+            <a:fillRect/>
+          </a:stretch>
+        </p:blipFill>
+        <p:spPr>
+          <a:xfrm>
+            <a:off x="7608497" y="3794535"/>
+            <a:ext cx="3756175" cy="2499692"/>
+          </a:xfrm>
+          <a:prstGeom prst="rect">
+            <a:avLst/>
+          </a:prstGeom>
+        </p:spPr>
+      </p:pic>
     </p:spTree>
     <p:extLst>
       <p:ext uri="{BB962C8B-B14F-4D97-AF65-F5344CB8AC3E}">
@@ -14910,7 +14293,7 @@
         </p:nvSpPr>
         <p:spPr>
           <a:xfrm>
-            <a:off x="2129307" y="0"/>
+            <a:off x="1930899" y="77638"/>
             <a:ext cx="9144000" cy="1513738"/>
           </a:xfrm>
         </p:spPr>
@@ -14920,14 +14303,27 @@
           </a:bodyPr>
           <a:lstStyle/>
           <a:p>
+            <a:pPr algn="ctr"/>
             <a:r>
-              <a:rPr lang="en-US" sz="8000" dirty="0" smtClean="0">
+              <a:rPr lang="en-US" sz="6500" b="1" dirty="0" smtClean="0">
+                <a:solidFill>
+                  <a:schemeClr val="accent1">
+                    <a:lumMod val="60000"/>
+                    <a:lumOff val="40000"/>
+                  </a:schemeClr>
+                </a:solidFill>
                 <a:latin typeface="Times New Roman" panose="02020603050405020304" pitchFamily="18" charset="0"/>
                 <a:cs typeface="Times New Roman" panose="02020603050405020304" pitchFamily="18" charset="0"/>
               </a:rPr>
-              <a:t>Solution</a:t>
+              <a:t>WORKING</a:t>
             </a:r>
-            <a:endParaRPr lang="en-US" sz="8000" dirty="0">
+            <a:endParaRPr lang="en-US" sz="6500" b="1" dirty="0">
+              <a:solidFill>
+                <a:schemeClr val="accent1">
+                  <a:lumMod val="60000"/>
+                  <a:lumOff val="40000"/>
+                </a:schemeClr>
+              </a:solidFill>
               <a:latin typeface="Times New Roman" panose="02020603050405020304" pitchFamily="18" charset="0"/>
               <a:cs typeface="Times New Roman" panose="02020603050405020304" pitchFamily="18" charset="0"/>
             </a:endParaRPr>
@@ -14946,8 +14342,8 @@
         </p:nvSpPr>
         <p:spPr>
           <a:xfrm>
-            <a:off x="1524000" y="1700011"/>
-            <a:ext cx="9144000" cy="3557789"/>
+            <a:off x="773501" y="1591376"/>
+            <a:ext cx="10552981" cy="4472994"/>
           </a:xfrm>
         </p:spPr>
         <p:txBody>
@@ -14957,33 +14353,67 @@
           <a:lstStyle/>
           <a:p>
             <a:r>
-              <a:rPr lang="en-US" sz="3200" dirty="0" smtClean="0">
+              <a:rPr lang="en-US" sz="2800" i="1" cap="none" dirty="0" smtClean="0">
+                <a:solidFill>
+                  <a:srgbClr val="FFFF00"/>
+                </a:solidFill>
                 <a:latin typeface="Times New Roman" panose="02020603050405020304" pitchFamily="18" charset="0"/>
                 <a:cs typeface="Times New Roman" panose="02020603050405020304" pitchFamily="18" charset="0"/>
               </a:rPr>
-              <a:t>We are going to analyze the mood of the user and we </a:t>
+              <a:t>Now when A person with use our software to scan his face using his webcam. As soon as he does so it will be shown that which emotion is the most detected emotion on his face.</a:t>
             </a:r>
+          </a:p>
+          <a:p>
             <a:r>
-              <a:rPr lang="en-US" sz="3200" dirty="0" err="1" smtClean="0">
+              <a:rPr lang="en-US" sz="2800" i="1" cap="none" dirty="0" smtClean="0">
+                <a:solidFill>
+                  <a:srgbClr val="FFFF00"/>
+                </a:solidFill>
                 <a:latin typeface="Times New Roman" panose="02020603050405020304" pitchFamily="18" charset="0"/>
                 <a:cs typeface="Times New Roman" panose="02020603050405020304" pitchFamily="18" charset="0"/>
               </a:rPr>
-              <a:t>gonna</a:t>
+              <a:t>All the emotions that can be on one’s face and the one with highest percentage would be marked in bold.</a:t>
             </a:r>
-            <a:r>
-              <a:rPr lang="en-US" sz="3200" dirty="0" smtClean="0">
-                <a:latin typeface="Times New Roman" panose="02020603050405020304" pitchFamily="18" charset="0"/>
-                <a:cs typeface="Times New Roman" panose="02020603050405020304" pitchFamily="18" charset="0"/>
-              </a:rPr>
-              <a:t> provide or share the appropriate playlist of the songs according to the mood of the user. </a:t>
-            </a:r>
-            <a:endParaRPr lang="en-US" sz="3200" dirty="0">
+            <a:endParaRPr lang="en-US" sz="2800" i="1" cap="none" dirty="0">
+              <a:solidFill>
+                <a:srgbClr val="FFFF00"/>
+              </a:solidFill>
               <a:latin typeface="Times New Roman" panose="02020603050405020304" pitchFamily="18" charset="0"/>
               <a:cs typeface="Times New Roman" panose="02020603050405020304" pitchFamily="18" charset="0"/>
             </a:endParaRPr>
           </a:p>
         </p:txBody>
       </p:sp>
+      <p:pic>
+        <p:nvPicPr>
+          <p:cNvPr id="5" name="Picture 4"/>
+          <p:cNvPicPr>
+            <a:picLocks noChangeAspect="1"/>
+          </p:cNvPicPr>
+          <p:nvPr/>
+        </p:nvPicPr>
+        <p:blipFill>
+          <a:blip r:embed="rId2">
+            <a:extLst>
+              <a:ext uri="{28A0092B-C50C-407E-A947-70E740481C1C}">
+                <a14:useLocalDpi xmlns:a14="http://schemas.microsoft.com/office/drawing/2010/main" val="0"/>
+              </a:ext>
+            </a:extLst>
+          </a:blip>
+          <a:stretch>
+            <a:fillRect/>
+          </a:stretch>
+        </p:blipFill>
+        <p:spPr>
+          <a:xfrm>
+            <a:off x="7831368" y="3526190"/>
+            <a:ext cx="2908519" cy="2794500"/>
+          </a:xfrm>
+          <a:prstGeom prst="rect">
+            <a:avLst/>
+          </a:prstGeom>
+        </p:spPr>
+      </p:pic>
     </p:spTree>
     <p:extLst>
       <p:ext uri="{BB962C8B-B14F-4D97-AF65-F5344CB8AC3E}">
@@ -15033,106 +14463,99 @@
         </p:nvSpPr>
         <p:spPr>
           <a:xfrm>
-            <a:off x="1524000" y="656823"/>
-            <a:ext cx="9144000" cy="4600977"/>
+            <a:off x="759124" y="1459078"/>
+            <a:ext cx="10860657" cy="4600977"/>
           </a:xfrm>
         </p:spPr>
         <p:txBody>
           <a:bodyPr>
-            <a:normAutofit fontScale="85000" lnSpcReduction="20000"/>
+            <a:normAutofit/>
           </a:bodyPr>
           <a:lstStyle/>
           <a:p>
             <a:r>
-              <a:rPr lang="en-US" sz="3600" dirty="0">
+              <a:rPr lang="en-US" sz="2600" i="1" cap="none" dirty="0" smtClean="0">
+                <a:solidFill>
+                  <a:srgbClr val="FFFF00"/>
+                </a:solidFill>
                 <a:latin typeface="Times New Roman" panose="02020603050405020304" pitchFamily="18" charset="0"/>
                 <a:cs typeface="Times New Roman" panose="02020603050405020304" pitchFamily="18" charset="0"/>
               </a:rPr>
-              <a:t>Music Moods list</a:t>
+              <a:t>As one’s mood is now detected now all the facial expressions showing different emotions would be displayed and calculated according percentage of each and every emotion present on user’s face. Now according to the mood of person their will be a dropdown </a:t>
             </a:r>
-          </a:p>
-          <a:p>
             <a:r>
-              <a:rPr lang="en-US" sz="3600" b="1" dirty="0">
+              <a:rPr lang="en-US" sz="2600" i="1" cap="none" dirty="0" smtClean="0">
+                <a:solidFill>
+                  <a:srgbClr val="FFFF00"/>
+                </a:solidFill>
                 <a:latin typeface="Times New Roman" panose="02020603050405020304" pitchFamily="18" charset="0"/>
                 <a:cs typeface="Times New Roman" panose="02020603050405020304" pitchFamily="18" charset="0"/>
               </a:rPr>
-              <a:t>Mood Categories</a:t>
+              <a:t>containing various activities which can be done by user so as to change the mood and user can change the mood according to the activity he can done so that mood can be changed and he spends his day very well so that remains happy and spread happiness among others too.</a:t>
             </a:r>
-            <a:endParaRPr lang="en-US" sz="3600" dirty="0">
+            <a:endParaRPr lang="en-US" sz="2600" i="1" cap="none" dirty="0">
+              <a:solidFill>
+                <a:srgbClr val="FFFF00"/>
+              </a:solidFill>
               <a:latin typeface="Times New Roman" panose="02020603050405020304" pitchFamily="18" charset="0"/>
               <a:cs typeface="Times New Roman" panose="02020603050405020304" pitchFamily="18" charset="0"/>
             </a:endParaRPr>
           </a:p>
-          <a:p>
-            <a:r>
-              <a:rPr lang="en-US" sz="3600" dirty="0">
-                <a:latin typeface="Times New Roman" panose="02020603050405020304" pitchFamily="18" charset="0"/>
-                <a:cs typeface="Times New Roman" panose="02020603050405020304" pitchFamily="18" charset="0"/>
-              </a:rPr>
-              <a:t>Cluster_1: passionate, rousing, </a:t>
-            </a:r>
-            <a:r>
-              <a:rPr lang="en-US" sz="3600" dirty="0" smtClean="0">
-                <a:latin typeface="Times New Roman" panose="02020603050405020304" pitchFamily="18" charset="0"/>
-                <a:cs typeface="Times New Roman" panose="02020603050405020304" pitchFamily="18" charset="0"/>
-              </a:rPr>
-              <a:t>confident ,boisterous , </a:t>
-            </a:r>
-            <a:r>
-              <a:rPr lang="en-US" sz="3600" dirty="0">
-                <a:latin typeface="Times New Roman" panose="02020603050405020304" pitchFamily="18" charset="0"/>
-                <a:cs typeface="Times New Roman" panose="02020603050405020304" pitchFamily="18" charset="0"/>
-              </a:rPr>
-              <a:t>rowdy.</a:t>
-            </a:r>
-          </a:p>
-          <a:p>
-            <a:r>
-              <a:rPr lang="en-US" sz="3600" dirty="0">
-                <a:latin typeface="Times New Roman" panose="02020603050405020304" pitchFamily="18" charset="0"/>
-                <a:cs typeface="Times New Roman" panose="02020603050405020304" pitchFamily="18" charset="0"/>
-              </a:rPr>
-              <a:t>Cluster_2: rollicking, cheerful, fun, sweet, amiable/good natured.</a:t>
-            </a:r>
-          </a:p>
-          <a:p>
-            <a:r>
-              <a:rPr lang="en-US" sz="3600" dirty="0">
-                <a:latin typeface="Times New Roman" panose="02020603050405020304" pitchFamily="18" charset="0"/>
-                <a:cs typeface="Times New Roman" panose="02020603050405020304" pitchFamily="18" charset="0"/>
-              </a:rPr>
-              <a:t>Cluster_3: literate, poignant, wistful, bittersweet, autumnal, </a:t>
-            </a:r>
-            <a:r>
-              <a:rPr lang="en-US" sz="3600" b="1" dirty="0">
-                <a:latin typeface="Times New Roman" panose="02020603050405020304" pitchFamily="18" charset="0"/>
-                <a:cs typeface="Times New Roman" panose="02020603050405020304" pitchFamily="18" charset="0"/>
-              </a:rPr>
-              <a:t>brooding</a:t>
-            </a:r>
-            <a:r>
-              <a:rPr lang="en-US" sz="3600" dirty="0">
-                <a:latin typeface="Times New Roman" panose="02020603050405020304" pitchFamily="18" charset="0"/>
-                <a:cs typeface="Times New Roman" panose="02020603050405020304" pitchFamily="18" charset="0"/>
-              </a:rPr>
-              <a:t>.</a:t>
-            </a:r>
-          </a:p>
-          <a:p>
-            <a:r>
-              <a:rPr lang="en-US" sz="3600" dirty="0">
-                <a:latin typeface="Times New Roman" panose="02020603050405020304" pitchFamily="18" charset="0"/>
-                <a:cs typeface="Times New Roman" panose="02020603050405020304" pitchFamily="18" charset="0"/>
-              </a:rPr>
-              <a:t>Cluster_4: humorous, silly, campy, quirky, whimsical, witty, wry.</a:t>
-            </a:r>
-          </a:p>
-          <a:p>
-            <a:endParaRPr lang="en-US" dirty="0"/>
-          </a:p>
         </p:txBody>
       </p:sp>
+      <p:pic>
+        <p:nvPicPr>
+          <p:cNvPr id="2" name="Picture 1"/>
+          <p:cNvPicPr>
+            <a:picLocks noChangeAspect="1"/>
+          </p:cNvPicPr>
+          <p:nvPr/>
+        </p:nvPicPr>
+        <p:blipFill>
+          <a:blip r:embed="rId2"/>
+          <a:stretch>
+            <a:fillRect/>
+          </a:stretch>
+        </p:blipFill>
+        <p:spPr>
+          <a:xfrm>
+            <a:off x="1514977" y="156524"/>
+            <a:ext cx="9144793" cy="1731414"/>
+          </a:xfrm>
+          <a:prstGeom prst="rect">
+            <a:avLst/>
+          </a:prstGeom>
+        </p:spPr>
+      </p:pic>
+      <p:pic>
+        <p:nvPicPr>
+          <p:cNvPr id="5" name="Picture 4"/>
+          <p:cNvPicPr>
+            <a:picLocks noChangeAspect="1"/>
+          </p:cNvPicPr>
+          <p:nvPr/>
+        </p:nvPicPr>
+        <p:blipFill rotWithShape="1">
+          <a:blip r:embed="rId3" cstate="print">
+            <a:extLst>
+              <a:ext uri="{28A0092B-C50C-407E-A947-70E740481C1C}">
+                <a14:useLocalDpi xmlns:a14="http://schemas.microsoft.com/office/drawing/2010/main" val="0"/>
+              </a:ext>
+            </a:extLst>
+          </a:blip>
+          <a:srcRect t="6909" b="14798"/>
+          <a:stretch/>
+        </p:blipFill>
+        <p:spPr>
+          <a:xfrm>
+            <a:off x="7375585" y="4279915"/>
+            <a:ext cx="3692106" cy="2052359"/>
+          </a:xfrm>
+          <a:prstGeom prst="rect">
+            <a:avLst/>
+          </a:prstGeom>
+        </p:spPr>
+      </p:pic>
     </p:spTree>
     <p:extLst>
       <p:ext uri="{BB962C8B-B14F-4D97-AF65-F5344CB8AC3E}">
@@ -15172,101 +14595,199 @@
       </p:grpSpPr>
       <p:sp>
         <p:nvSpPr>
-          <p:cNvPr id="2" name="Rectangle 1"/>
-          <p:cNvSpPr/>
-          <p:nvPr/>
+          <p:cNvPr id="3" name="Subtitle 2"/>
+          <p:cNvSpPr>
+            <a:spLocks noGrp="1"/>
+          </p:cNvSpPr>
+          <p:nvPr>
+            <p:ph type="subTitle" idx="1"/>
+          </p:nvPr>
         </p:nvSpPr>
         <p:spPr>
           <a:xfrm>
-            <a:off x="721217" y="231820"/>
-            <a:ext cx="11153103" cy="6124754"/>
+            <a:off x="657044" y="1269297"/>
+            <a:ext cx="10860657" cy="4600977"/>
+          </a:xfrm>
+        </p:spPr>
+        <p:txBody>
+          <a:bodyPr>
+            <a:normAutofit fontScale="92500"/>
+          </a:bodyPr>
+          <a:lstStyle/>
+          <a:p>
+            <a:r>
+              <a:rPr lang="en-US" sz="2600" i="1" cap="none" dirty="0" smtClean="0">
+                <a:solidFill>
+                  <a:srgbClr val="FFFF00"/>
+                </a:solidFill>
+                <a:latin typeface="Times New Roman" panose="02020603050405020304" pitchFamily="18" charset="0"/>
+                <a:cs typeface="Times New Roman" panose="02020603050405020304" pitchFamily="18" charset="0"/>
+              </a:rPr>
+              <a:t>Now on the basis all the emotions their will be a some options to choose from so that one can do various activities so that one can choose from them and change their mood.</a:t>
+            </a:r>
+            <a:endParaRPr lang="en-US" sz="2600" i="1" cap="none" dirty="0">
+              <a:solidFill>
+                <a:srgbClr val="FFFF00"/>
+              </a:solidFill>
+              <a:latin typeface="Times New Roman" panose="02020603050405020304" pitchFamily="18" charset="0"/>
+              <a:cs typeface="Times New Roman" panose="02020603050405020304" pitchFamily="18" charset="0"/>
+            </a:endParaRPr>
+          </a:p>
+          <a:p>
+            <a:r>
+              <a:rPr lang="en-US" sz="2600" i="1" cap="none" dirty="0" smtClean="0">
+                <a:solidFill>
+                  <a:srgbClr val="FFFF00"/>
+                </a:solidFill>
+                <a:latin typeface="Times New Roman" panose="02020603050405020304" pitchFamily="18" charset="0"/>
+                <a:cs typeface="Times New Roman" panose="02020603050405020304" pitchFamily="18" charset="0"/>
+              </a:rPr>
+              <a:t>Their will be some different options that a person can do to change the mood such as-</a:t>
+            </a:r>
+          </a:p>
+          <a:p>
+            <a:pPr marL="571500" indent="-571500">
+              <a:buFont typeface="+mj-lt"/>
+              <a:buAutoNum type="romanUcPeriod"/>
+            </a:pPr>
+            <a:r>
+              <a:rPr lang="en-US" sz="2600" i="1" cap="none" dirty="0" smtClean="0">
+                <a:solidFill>
+                  <a:srgbClr val="FFFF00"/>
+                </a:solidFill>
+                <a:latin typeface="Times New Roman" panose="02020603050405020304" pitchFamily="18" charset="0"/>
+                <a:cs typeface="Times New Roman" panose="02020603050405020304" pitchFamily="18" charset="0"/>
+              </a:rPr>
+              <a:t> Watch Movie			</a:t>
+            </a:r>
+          </a:p>
+          <a:p>
+            <a:pPr marL="571500" indent="-571500">
+              <a:buFont typeface="+mj-lt"/>
+              <a:buAutoNum type="romanUcPeriod"/>
+            </a:pPr>
+            <a:r>
+              <a:rPr lang="en-US" sz="2600" i="1" cap="none" dirty="0" smtClean="0">
+                <a:solidFill>
+                  <a:srgbClr val="FFFF00"/>
+                </a:solidFill>
+                <a:latin typeface="Times New Roman" panose="02020603050405020304" pitchFamily="18" charset="0"/>
+                <a:cs typeface="Times New Roman" panose="02020603050405020304" pitchFamily="18" charset="0"/>
+              </a:rPr>
+              <a:t> Go to Sleep</a:t>
+            </a:r>
+          </a:p>
+          <a:p>
+            <a:pPr marL="571500" indent="-571500">
+              <a:buFont typeface="+mj-lt"/>
+              <a:buAutoNum type="romanUcPeriod"/>
+            </a:pPr>
+            <a:r>
+              <a:rPr lang="en-US" sz="2600" i="1" cap="none" dirty="0">
+                <a:solidFill>
+                  <a:srgbClr val="FFFF00"/>
+                </a:solidFill>
+                <a:latin typeface="Times New Roman" panose="02020603050405020304" pitchFamily="18" charset="0"/>
+                <a:cs typeface="Times New Roman" panose="02020603050405020304" pitchFamily="18" charset="0"/>
+              </a:rPr>
+              <a:t> </a:t>
+            </a:r>
+            <a:r>
+              <a:rPr lang="en-US" sz="2600" i="1" cap="none" dirty="0" smtClean="0">
+                <a:solidFill>
+                  <a:srgbClr val="FFFF00"/>
+                </a:solidFill>
+                <a:latin typeface="Times New Roman" panose="02020603050405020304" pitchFamily="18" charset="0"/>
+                <a:cs typeface="Times New Roman" panose="02020603050405020304" pitchFamily="18" charset="0"/>
+              </a:rPr>
+              <a:t>Listen Music</a:t>
+            </a:r>
+          </a:p>
+          <a:p>
+            <a:pPr marL="571500" indent="-571500">
+              <a:buFont typeface="+mj-lt"/>
+              <a:buAutoNum type="romanUcPeriod"/>
+            </a:pPr>
+            <a:r>
+              <a:rPr lang="en-US" sz="2600" i="1" cap="none" dirty="0" smtClean="0">
+                <a:solidFill>
+                  <a:srgbClr val="FFFF00"/>
+                </a:solidFill>
+                <a:latin typeface="Times New Roman" panose="02020603050405020304" pitchFamily="18" charset="0"/>
+                <a:cs typeface="Times New Roman" panose="02020603050405020304" pitchFamily="18" charset="0"/>
+              </a:rPr>
+              <a:t>Call Someone</a:t>
+            </a:r>
+          </a:p>
+          <a:p>
+            <a:pPr marL="571500" indent="-571500">
+              <a:buFont typeface="+mj-lt"/>
+              <a:buAutoNum type="romanUcPeriod"/>
+            </a:pPr>
+            <a:r>
+              <a:rPr lang="en-US" sz="2600" i="1" cap="none" dirty="0" smtClean="0">
+                <a:solidFill>
+                  <a:srgbClr val="FFFF00"/>
+                </a:solidFill>
+                <a:latin typeface="Times New Roman" panose="02020603050405020304" pitchFamily="18" charset="0"/>
+                <a:cs typeface="Times New Roman" panose="02020603050405020304" pitchFamily="18" charset="0"/>
+              </a:rPr>
+              <a:t>Have some food</a:t>
+            </a:r>
+          </a:p>
+          <a:p>
+            <a:pPr marL="571500" indent="-571500">
+              <a:buFont typeface="+mj-lt"/>
+              <a:buAutoNum type="romanUcPeriod"/>
+            </a:pPr>
+            <a:r>
+              <a:rPr lang="en-US" sz="2600" i="1" cap="none" dirty="0" smtClean="0">
+                <a:solidFill>
+                  <a:srgbClr val="FFFF00"/>
+                </a:solidFill>
+                <a:latin typeface="Times New Roman" panose="02020603050405020304" pitchFamily="18" charset="0"/>
+                <a:cs typeface="Times New Roman" panose="02020603050405020304" pitchFamily="18" charset="0"/>
+              </a:rPr>
+              <a:t>Go for shopping</a:t>
+            </a:r>
+            <a:endParaRPr lang="en-US" sz="2600" i="1" cap="none" dirty="0">
+              <a:solidFill>
+                <a:srgbClr val="FFFF00"/>
+              </a:solidFill>
+              <a:latin typeface="Times New Roman" panose="02020603050405020304" pitchFamily="18" charset="0"/>
+              <a:cs typeface="Times New Roman" panose="02020603050405020304" pitchFamily="18" charset="0"/>
+            </a:endParaRPr>
+          </a:p>
+        </p:txBody>
+      </p:sp>
+      <p:pic>
+        <p:nvPicPr>
+          <p:cNvPr id="2" name="Picture 1"/>
+          <p:cNvPicPr>
+            <a:picLocks noChangeAspect="1"/>
+          </p:cNvPicPr>
+          <p:nvPr/>
+        </p:nvPicPr>
+        <p:blipFill>
+          <a:blip r:embed="rId2"/>
+          <a:stretch>
+            <a:fillRect/>
+          </a:stretch>
+        </p:blipFill>
+        <p:spPr>
+          <a:xfrm>
+            <a:off x="1445965" y="177485"/>
+            <a:ext cx="9144793" cy="1731414"/>
           </a:xfrm>
           <a:prstGeom prst="rect">
             <a:avLst/>
           </a:prstGeom>
         </p:spPr>
-        <p:txBody>
-          <a:bodyPr wrap="square">
-            <a:spAutoFit/>
-          </a:bodyPr>
-          <a:lstStyle/>
-          <a:p>
-            <a:r>
-              <a:rPr lang="en-US" sz="5400" b="1" dirty="0" smtClean="0">
-                <a:latin typeface="Times New Roman" panose="02020603050405020304" pitchFamily="18" charset="0"/>
-                <a:cs typeface="Times New Roman" panose="02020603050405020304" pitchFamily="18" charset="0"/>
-              </a:rPr>
-              <a:t>1. Music for when you're happy.</a:t>
-            </a:r>
-          </a:p>
-          <a:p>
-            <a:r>
-              <a:rPr lang="en-US" dirty="0" smtClean="0"/>
-              <a:t>          </a:t>
-            </a:r>
-          </a:p>
-          <a:p>
-            <a:r>
-              <a:rPr lang="en-US" sz="4000" dirty="0" smtClean="0">
-                <a:latin typeface="Times New Roman" panose="02020603050405020304" pitchFamily="18" charset="0"/>
-                <a:cs typeface="Times New Roman" panose="02020603050405020304" pitchFamily="18" charset="0"/>
-              </a:rPr>
-              <a:t>When you're happy just about any song works. Listen to something upbeat if you want to keep the happiness</a:t>
-            </a:r>
-          </a:p>
-          <a:p>
-            <a:r>
-              <a:rPr lang="en-US" sz="4000" dirty="0" smtClean="0">
-                <a:latin typeface="Times New Roman" panose="02020603050405020304" pitchFamily="18" charset="0"/>
-                <a:cs typeface="Times New Roman" panose="02020603050405020304" pitchFamily="18" charset="0"/>
-              </a:rPr>
-              <a:t> going, and just focus on the greatness of life. Here are a few songs that never fail to make me smile:</a:t>
-            </a:r>
-          </a:p>
-          <a:p>
-            <a:r>
-              <a:rPr lang="en-US" sz="4000" dirty="0" smtClean="0">
-                <a:latin typeface="Times New Roman" panose="02020603050405020304" pitchFamily="18" charset="0"/>
-                <a:cs typeface="Times New Roman" panose="02020603050405020304" pitchFamily="18" charset="0"/>
-              </a:rPr>
-              <a:t>"Geronimo" - Sheppard</a:t>
-            </a:r>
-          </a:p>
-          <a:p>
-            <a:r>
-              <a:rPr lang="en-US" sz="4000" dirty="0" smtClean="0">
-                <a:latin typeface="Times New Roman" panose="02020603050405020304" pitchFamily="18" charset="0"/>
-                <a:cs typeface="Times New Roman" panose="02020603050405020304" pitchFamily="18" charset="0"/>
-              </a:rPr>
-              <a:t>"Shut Up and Dance" - Walk the Moon</a:t>
-            </a:r>
-          </a:p>
-          <a:p>
-            <a:r>
-              <a:rPr lang="en-US" sz="4000" dirty="0" smtClean="0">
-                <a:latin typeface="Times New Roman" panose="02020603050405020304" pitchFamily="18" charset="0"/>
-                <a:cs typeface="Times New Roman" panose="02020603050405020304" pitchFamily="18" charset="0"/>
-              </a:rPr>
-              <a:t>"Good To Be Alive (Hallelujah)" - Andy </a:t>
-            </a:r>
-            <a:r>
-              <a:rPr lang="en-US" sz="4000" dirty="0" err="1" smtClean="0">
-                <a:latin typeface="Times New Roman" panose="02020603050405020304" pitchFamily="18" charset="0"/>
-                <a:cs typeface="Times New Roman" panose="02020603050405020304" pitchFamily="18" charset="0"/>
-              </a:rPr>
-              <a:t>Grammer</a:t>
-            </a:r>
-            <a:endParaRPr lang="en-US" sz="4000" dirty="0">
-              <a:latin typeface="Times New Roman" panose="02020603050405020304" pitchFamily="18" charset="0"/>
-              <a:cs typeface="Times New Roman" panose="02020603050405020304" pitchFamily="18" charset="0"/>
-            </a:endParaRPr>
-          </a:p>
-        </p:txBody>
-      </p:sp>
+      </p:pic>
     </p:spTree>
     <p:extLst>
       <p:ext uri="{BB962C8B-B14F-4D97-AF65-F5344CB8AC3E}">
-        <p14:creationId xmlns:p14="http://schemas.microsoft.com/office/powerpoint/2010/main" val="2998495966"/>
+        <p14:creationId xmlns:p14="http://schemas.microsoft.com/office/powerpoint/2010/main" val="4278604623"/>
       </p:ext>
     </p:extLst>
   </p:cSld>
@@ -15302,112 +14823,215 @@
       </p:grpSpPr>
       <p:sp>
         <p:nvSpPr>
-          <p:cNvPr id="2" name="Rectangle 1"/>
-          <p:cNvSpPr/>
-          <p:nvPr/>
+          <p:cNvPr id="2" name="Title 1"/>
+          <p:cNvSpPr>
+            <a:spLocks noGrp="1"/>
+          </p:cNvSpPr>
+          <p:nvPr>
+            <p:ph type="ctrTitle"/>
+          </p:nvPr>
         </p:nvSpPr>
         <p:spPr>
           <a:xfrm>
-            <a:off x="708338" y="296214"/>
-            <a:ext cx="11062952" cy="5447645"/>
+            <a:off x="1457541" y="302368"/>
+            <a:ext cx="9144000" cy="1157198"/>
+          </a:xfrm>
+        </p:spPr>
+        <p:txBody>
+          <a:bodyPr/>
+          <a:lstStyle/>
+          <a:p>
+            <a:pPr algn="ctr"/>
+            <a:r>
+              <a:rPr lang="en-US" b="1" dirty="0" smtClean="0">
+                <a:solidFill>
+                  <a:schemeClr val="accent1">
+                    <a:lumMod val="60000"/>
+                    <a:lumOff val="40000"/>
+                  </a:schemeClr>
+                </a:solidFill>
+                <a:latin typeface="Times New Roman" panose="02020603050405020304" pitchFamily="18" charset="0"/>
+                <a:cs typeface="Times New Roman" panose="02020603050405020304" pitchFamily="18" charset="0"/>
+              </a:rPr>
+              <a:t>CONCLUSION</a:t>
+            </a:r>
+            <a:endParaRPr lang="en-US" b="1" dirty="0">
+              <a:solidFill>
+                <a:schemeClr val="accent1">
+                  <a:lumMod val="60000"/>
+                  <a:lumOff val="40000"/>
+                </a:schemeClr>
+              </a:solidFill>
+              <a:latin typeface="Times New Roman" panose="02020603050405020304" pitchFamily="18" charset="0"/>
+              <a:cs typeface="Times New Roman" panose="02020603050405020304" pitchFamily="18" charset="0"/>
+            </a:endParaRPr>
+          </a:p>
+        </p:txBody>
+      </p:sp>
+      <p:sp>
+        <p:nvSpPr>
+          <p:cNvPr id="3" name="Subtitle 2"/>
+          <p:cNvSpPr>
+            <a:spLocks noGrp="1"/>
+          </p:cNvSpPr>
+          <p:nvPr>
+            <p:ph type="subTitle" idx="1"/>
+          </p:nvPr>
+        </p:nvSpPr>
+        <p:spPr>
+          <a:xfrm>
+            <a:off x="687237" y="1459566"/>
+            <a:ext cx="10380453" cy="3197971"/>
+          </a:xfrm>
+        </p:spPr>
+        <p:txBody>
+          <a:bodyPr>
+            <a:normAutofit fontScale="92500" lnSpcReduction="10000"/>
+          </a:bodyPr>
+          <a:lstStyle/>
+          <a:p>
+            <a:r>
+              <a:rPr lang="en-US" sz="3600" i="1" cap="none" dirty="0" smtClean="0">
+                <a:solidFill>
+                  <a:srgbClr val="FFFF00"/>
+                </a:solidFill>
+                <a:latin typeface="Times New Roman" panose="02020603050405020304" pitchFamily="18" charset="0"/>
+                <a:cs typeface="Times New Roman" panose="02020603050405020304" pitchFamily="18" charset="0"/>
+              </a:rPr>
+              <a:t>So at last our software will help one to detect his mood and all the </a:t>
+            </a:r>
+            <a:r>
+              <a:rPr lang="en-US" sz="3600" i="1" cap="none" dirty="0" err="1" smtClean="0">
+                <a:solidFill>
+                  <a:srgbClr val="FFFF00"/>
+                </a:solidFill>
+                <a:latin typeface="Times New Roman" panose="02020603050405020304" pitchFamily="18" charset="0"/>
+                <a:cs typeface="Times New Roman" panose="02020603050405020304" pitchFamily="18" charset="0"/>
+              </a:rPr>
+              <a:t>actiivtis</a:t>
+            </a:r>
+            <a:r>
+              <a:rPr lang="en-US" sz="3600" i="1" cap="none" dirty="0" smtClean="0">
+                <a:solidFill>
+                  <a:srgbClr val="FFFF00"/>
+                </a:solidFill>
+                <a:latin typeface="Times New Roman" panose="02020603050405020304" pitchFamily="18" charset="0"/>
+                <a:cs typeface="Times New Roman" panose="02020603050405020304" pitchFamily="18" charset="0"/>
+              </a:rPr>
+              <a:t> that can be done so that his mood changes and can be happy and spread happiness as this is very important in everyon</a:t>
+            </a:r>
+            <a:r>
+              <a:rPr lang="en-US" sz="3600" i="1" cap="none" dirty="0" smtClean="0">
+                <a:solidFill>
+                  <a:srgbClr val="FFFF00"/>
+                </a:solidFill>
+                <a:latin typeface="Times New Roman" panose="02020603050405020304" pitchFamily="18" charset="0"/>
+                <a:cs typeface="Times New Roman" panose="02020603050405020304" pitchFamily="18" charset="0"/>
+              </a:rPr>
+              <a:t>e’s life.</a:t>
+            </a:r>
+          </a:p>
+          <a:p>
+            <a:pPr algn="ctr"/>
+            <a:r>
+              <a:rPr lang="en-US" sz="3600" i="1" cap="none" dirty="0" smtClean="0">
+                <a:solidFill>
+                  <a:srgbClr val="FFFF00"/>
+                </a:solidFill>
+                <a:latin typeface="Times New Roman" panose="02020603050405020304" pitchFamily="18" charset="0"/>
+                <a:cs typeface="Times New Roman" panose="02020603050405020304" pitchFamily="18" charset="0"/>
+              </a:rPr>
+              <a:t>Happiness is a choice.</a:t>
+            </a:r>
+          </a:p>
+          <a:p>
+            <a:pPr algn="ctr"/>
+            <a:r>
+              <a:rPr lang="en-US" sz="3600" i="1" cap="none" dirty="0" smtClean="0">
+                <a:solidFill>
+                  <a:srgbClr val="FFFF00"/>
+                </a:solidFill>
+                <a:latin typeface="Times New Roman" panose="02020603050405020304" pitchFamily="18" charset="0"/>
+                <a:cs typeface="Times New Roman" panose="02020603050405020304" pitchFamily="18" charset="0"/>
+              </a:rPr>
+              <a:t>Be happy and spread happiness.</a:t>
+            </a:r>
+          </a:p>
+          <a:p>
+            <a:endParaRPr lang="en-US" sz="3600" i="1" cap="none" dirty="0">
+              <a:solidFill>
+                <a:srgbClr val="FFFF00"/>
+              </a:solidFill>
+              <a:latin typeface="Times New Roman" panose="02020603050405020304" pitchFamily="18" charset="0"/>
+              <a:cs typeface="Times New Roman" panose="02020603050405020304" pitchFamily="18" charset="0"/>
+            </a:endParaRPr>
+          </a:p>
+        </p:txBody>
+      </p:sp>
+      <p:pic>
+        <p:nvPicPr>
+          <p:cNvPr id="5" name="Picture 4"/>
+          <p:cNvPicPr>
+            <a:picLocks noChangeAspect="1"/>
+          </p:cNvPicPr>
+          <p:nvPr/>
+        </p:nvPicPr>
+        <p:blipFill>
+          <a:blip r:embed="rId2">
+            <a:extLst>
+              <a:ext uri="{28A0092B-C50C-407E-A947-70E740481C1C}">
+                <a14:useLocalDpi xmlns:a14="http://schemas.microsoft.com/office/drawing/2010/main" val="0"/>
+              </a:ext>
+            </a:extLst>
+          </a:blip>
+          <a:stretch>
+            <a:fillRect/>
+          </a:stretch>
+        </p:blipFill>
+        <p:spPr>
+          <a:xfrm>
+            <a:off x="8623157" y="3666226"/>
+            <a:ext cx="2907677" cy="2484408"/>
           </a:xfrm>
           <a:prstGeom prst="rect">
             <a:avLst/>
           </a:prstGeom>
         </p:spPr>
-        <p:txBody>
-          <a:bodyPr wrap="square">
-            <a:spAutoFit/>
-          </a:bodyPr>
-          <a:lstStyle/>
-          <a:p>
-            <a:r>
-              <a:rPr lang="en-US" sz="6000" b="1" dirty="0" smtClean="0">
-                <a:latin typeface="Times New Roman" panose="02020603050405020304" pitchFamily="18" charset="0"/>
-                <a:cs typeface="Times New Roman" panose="02020603050405020304" pitchFamily="18" charset="0"/>
-              </a:rPr>
-              <a:t>   2. Music for when you're sad.</a:t>
-            </a:r>
-          </a:p>
-          <a:p>
-            <a:r>
-              <a:rPr lang="en-US" sz="3200" dirty="0" smtClean="0">
-                <a:latin typeface="Times New Roman" panose="02020603050405020304" pitchFamily="18" charset="0"/>
-                <a:cs typeface="Times New Roman" panose="02020603050405020304" pitchFamily="18" charset="0"/>
-              </a:rPr>
-              <a:t>Sad days are the worst, but thankfully, there are SO many songs to make you feel better. Just remember you're beautiful and deserve all the happiness in the world. Listen to these songs for a little bit of help:</a:t>
-            </a:r>
-          </a:p>
-          <a:p>
-            <a:r>
-              <a:rPr lang="en-US" sz="3200" dirty="0" smtClean="0">
-                <a:latin typeface="Times New Roman" panose="02020603050405020304" pitchFamily="18" charset="0"/>
-                <a:cs typeface="Times New Roman" panose="02020603050405020304" pitchFamily="18" charset="0"/>
-              </a:rPr>
-              <a:t>"Bad Day" - Daniel </a:t>
-            </a:r>
-            <a:r>
-              <a:rPr lang="en-US" sz="3200" dirty="0" err="1" smtClean="0">
-                <a:latin typeface="Times New Roman" panose="02020603050405020304" pitchFamily="18" charset="0"/>
-                <a:cs typeface="Times New Roman" panose="02020603050405020304" pitchFamily="18" charset="0"/>
-              </a:rPr>
-              <a:t>Powter</a:t>
-            </a:r>
-            <a:endParaRPr lang="en-US" sz="3200" dirty="0" smtClean="0">
-              <a:latin typeface="Times New Roman" panose="02020603050405020304" pitchFamily="18" charset="0"/>
-              <a:cs typeface="Times New Roman" panose="02020603050405020304" pitchFamily="18" charset="0"/>
-            </a:endParaRPr>
-          </a:p>
-          <a:p>
-            <a:endParaRPr lang="en-US" sz="3200" dirty="0" smtClean="0">
-              <a:latin typeface="Times New Roman" panose="02020603050405020304" pitchFamily="18" charset="0"/>
-              <a:cs typeface="Times New Roman" panose="02020603050405020304" pitchFamily="18" charset="0"/>
-            </a:endParaRPr>
-          </a:p>
-          <a:p>
-            <a:r>
-              <a:rPr lang="en-US" sz="3200" dirty="0" smtClean="0">
-                <a:latin typeface="Times New Roman" panose="02020603050405020304" pitchFamily="18" charset="0"/>
-                <a:cs typeface="Times New Roman" panose="02020603050405020304" pitchFamily="18" charset="0"/>
-              </a:rPr>
-              <a:t>"Scars To Your Beautiful" - </a:t>
-            </a:r>
-            <a:r>
-              <a:rPr lang="en-US" sz="3200" dirty="0" err="1" smtClean="0">
-                <a:latin typeface="Times New Roman" panose="02020603050405020304" pitchFamily="18" charset="0"/>
-                <a:cs typeface="Times New Roman" panose="02020603050405020304" pitchFamily="18" charset="0"/>
-              </a:rPr>
-              <a:t>Alessia</a:t>
-            </a:r>
-            <a:r>
-              <a:rPr lang="en-US" sz="3200" dirty="0" smtClean="0">
-                <a:latin typeface="Times New Roman" panose="02020603050405020304" pitchFamily="18" charset="0"/>
-                <a:cs typeface="Times New Roman" panose="02020603050405020304" pitchFamily="18" charset="0"/>
-              </a:rPr>
-              <a:t> Cara</a:t>
-            </a:r>
-          </a:p>
-          <a:p>
-            <a:endParaRPr lang="en-US" sz="3200" dirty="0" smtClean="0">
-              <a:latin typeface="Times New Roman" panose="02020603050405020304" pitchFamily="18" charset="0"/>
-              <a:cs typeface="Times New Roman" panose="02020603050405020304" pitchFamily="18" charset="0"/>
-            </a:endParaRPr>
-          </a:p>
-          <a:p>
-            <a:r>
-              <a:rPr lang="en-US" sz="3200" dirty="0" smtClean="0">
-                <a:latin typeface="Times New Roman" panose="02020603050405020304" pitchFamily="18" charset="0"/>
-                <a:cs typeface="Times New Roman" panose="02020603050405020304" pitchFamily="18" charset="0"/>
-              </a:rPr>
-              <a:t>"Don't Worry Be Happy" - Bobby McFerrin</a:t>
-            </a:r>
-          </a:p>
-        </p:txBody>
-      </p:sp>
+      </p:pic>
+      <p:pic>
+        <p:nvPicPr>
+          <p:cNvPr id="6" name="Picture 5"/>
+          <p:cNvPicPr>
+            <a:picLocks noChangeAspect="1"/>
+          </p:cNvPicPr>
+          <p:nvPr/>
+        </p:nvPicPr>
+        <p:blipFill>
+          <a:blip r:embed="rId3">
+            <a:extLst>
+              <a:ext uri="{28A0092B-C50C-407E-A947-70E740481C1C}">
+                <a14:useLocalDpi xmlns:a14="http://schemas.microsoft.com/office/drawing/2010/main" val="0"/>
+              </a:ext>
+            </a:extLst>
+          </a:blip>
+          <a:stretch>
+            <a:fillRect/>
+          </a:stretch>
+        </p:blipFill>
+        <p:spPr>
+          <a:xfrm>
+            <a:off x="609599" y="3836140"/>
+            <a:ext cx="2487283" cy="2409384"/>
+          </a:xfrm>
+          <a:prstGeom prst="rect">
+            <a:avLst/>
+          </a:prstGeom>
+        </p:spPr>
+      </p:pic>
     </p:spTree>
     <p:extLst>
       <p:ext uri="{BB962C8B-B14F-4D97-AF65-F5344CB8AC3E}">
-        <p14:creationId xmlns:p14="http://schemas.microsoft.com/office/powerpoint/2010/main" val="3968895065"/>
+        <p14:creationId xmlns:p14="http://schemas.microsoft.com/office/powerpoint/2010/main" val="2120017101"/>
       </p:ext>
     </p:extLst>
   </p:cSld>
